--- a/course_material/week_06/week_06_presentation.pptx
+++ b/course_material/week_06/week_06_presentation.pptx
@@ -1848,7 +1848,7 @@
           <a:p>
             <a:fld id="{5CF9EFDB-215C-4120-ADCB-EAD745B7163E}" type="datetimeFigureOut">
               <a:rPr lang="en-US" smtClean="0"/>
-              <a:t>4/4/2021</a:t>
+              <a:t>4/7/2021</a:t>
             </a:fld>
             <a:endParaRPr lang="en-US"/>
           </a:p>
@@ -2309,7 +2309,7 @@
           <a:p>
             <a:fld id="{ACF1A1B0-862D-4909-A7DB-D8ADA062DFCA}" type="datetimeFigureOut">
               <a:rPr lang="en-US" dirty="0"/>
-              <a:t>4/4/2021</a:t>
+              <a:t>4/7/2021</a:t>
             </a:fld>
             <a:endParaRPr lang="en-US"/>
           </a:p>
@@ -2532,7 +2532,7 @@
           <a:p>
             <a:fld id="{7B156144-9CB7-4E3A-B87E-A382F9BE05EF}" type="datetimeFigureOut">
               <a:rPr lang="en-US" dirty="0"/>
-              <a:t>4/4/2021</a:t>
+              <a:t>4/7/2021</a:t>
             </a:fld>
             <a:endParaRPr lang="en-US"/>
           </a:p>
@@ -2710,7 +2710,7 @@
           <a:p>
             <a:fld id="{2643D55F-46AB-4791-9172-4FA8DD3A6A9C}" type="datetimeFigureOut">
               <a:rPr lang="en-US" dirty="0"/>
-              <a:t>4/4/2021</a:t>
+              <a:t>4/7/2021</a:t>
             </a:fld>
             <a:endParaRPr lang="en-US"/>
           </a:p>
@@ -2878,7 +2878,7 @@
           <a:p>
             <a:fld id="{58026881-8A08-449C-8D73-E5F201F814C1}" type="datetimeFigureOut">
               <a:rPr lang="en-US" dirty="0"/>
-              <a:t>4/4/2021</a:t>
+              <a:t>4/7/2021</a:t>
             </a:fld>
             <a:endParaRPr lang="en-US"/>
           </a:p>
@@ -3168,7 +3168,7 @@
           <a:p>
             <a:fld id="{1BEB5A5E-0C07-4E93-A112-D37B4D166B30}" type="datetimeFigureOut">
               <a:rPr lang="en-US" dirty="0"/>
-              <a:t>4/4/2021</a:t>
+              <a:t>4/7/2021</a:t>
             </a:fld>
             <a:endParaRPr lang="en-US"/>
           </a:p>
@@ -3491,7 +3491,7 @@
           <a:p>
             <a:fld id="{9E1F71C5-DC57-4358-A1EA-30C08AF6E3C5}" type="datetimeFigureOut">
               <a:rPr lang="en-US" dirty="0"/>
-              <a:t>4/4/2021</a:t>
+              <a:t>4/7/2021</a:t>
             </a:fld>
             <a:endParaRPr lang="en-US"/>
           </a:p>
@@ -3900,7 +3900,7 @@
           <a:p>
             <a:fld id="{12571DBA-DE60-4731-B773-47AAA185C143}" type="datetimeFigureOut">
               <a:rPr lang="en-US" dirty="0"/>
-              <a:t>4/4/2021</a:t>
+              <a:t>4/7/2021</a:t>
             </a:fld>
             <a:endParaRPr lang="en-US"/>
           </a:p>
@@ -4017,7 +4017,7 @@
           <a:p>
             <a:fld id="{4F170639-886C-4FCF-9EAB-ABB5DA3F3F4A}" type="datetimeFigureOut">
               <a:rPr lang="en-US" dirty="0"/>
-              <a:t>4/4/2021</a:t>
+              <a:t>4/7/2021</a:t>
             </a:fld>
             <a:endParaRPr lang="en-US"/>
           </a:p>
@@ -4112,7 +4112,7 @@
           <a:p>
             <a:fld id="{34C4A628-C83B-4C66-83F4-1711CE3738FD}" type="datetimeFigureOut">
               <a:rPr lang="en-US" dirty="0"/>
-              <a:t>4/4/2021</a:t>
+              <a:t>4/7/2021</a:t>
             </a:fld>
             <a:endParaRPr lang="en-US"/>
           </a:p>
@@ -4397,7 +4397,7 @@
           <a:p>
             <a:fld id="{B88C1D73-9400-43CA-A37F-F9B7D00DE14C}" type="datetimeFigureOut">
               <a:rPr lang="en-US" dirty="0"/>
-              <a:t>4/4/2021</a:t>
+              <a:t>4/7/2021</a:t>
             </a:fld>
             <a:endParaRPr lang="en-US"/>
           </a:p>
@@ -4669,7 +4669,7 @@
           <a:p>
             <a:fld id="{188B7711-B905-4633-B4D7-6F3A49A2E7D9}" type="datetimeFigureOut">
               <a:rPr lang="en-US" dirty="0"/>
-              <a:t>4/4/2021</a:t>
+              <a:t>4/7/2021</a:t>
             </a:fld>
             <a:endParaRPr lang="en-US"/>
           </a:p>
@@ -4919,7 +4919,7 @@
             <a:fld id="{89C235CF-BDA2-4E7E-8BBD-350479985E74}" type="datetimeFigureOut">
               <a:rPr lang="en-US" dirty="0"/>
               <a:pPr/>
-              <a:t>4/4/2021</a:t>
+              <a:t>4/7/2021</a:t>
             </a:fld>
             <a:endParaRPr lang="en-US"/>
           </a:p>
@@ -5998,13 +5998,14 @@
               <a:t>Attendance word: </a:t>
             </a:r>
             <a:r>
-              <a:rPr lang="en-US" b="1" dirty="0" err="1">
+              <a:rPr lang="en-US" b="0" i="0" dirty="0" err="1">
                 <a:solidFill>
                   <a:schemeClr val="tx1"/>
                 </a:solidFill>
+                <a:effectLst/>
                 <a:latin typeface="Slack-Lato"/>
               </a:rPr>
-              <a:t>GoogleGuru</a:t>
+              <a:t>DaringDesigner</a:t>
             </a:r>
             <a:endParaRPr lang="en-US" dirty="0">
               <a:solidFill>
@@ -7228,7 +7229,15 @@
             </a:r>
             <a:r>
               <a:rPr lang="en-US" dirty="0"/>
-              <a:t> that take the original dataset and groups the data by neighborhood and finds the average price, number of reviews, AND availability_365</a:t>
+              <a:t> that take the original dataset and groups the data by neighborhood and finds the average price, total number of reviews, </a:t>
+            </a:r>
+            <a:r>
+              <a:rPr lang="en-US"/>
+              <a:t>AND average </a:t>
+            </a:r>
+            <a:r>
+              <a:rPr lang="en-US" dirty="0"/>
+              <a:t>availability_365</a:t>
             </a:r>
           </a:p>
           <a:p>

--- a/course_material/week_06/week_06_presentation.pptx
+++ b/course_material/week_06/week_06_presentation.pptx
@@ -5,31 +5,33 @@
     <p:sldMasterId id="2147483696" r:id="rId1"/>
   </p:sldMasterIdLst>
   <p:notesMasterIdLst>
-    <p:notesMasterId r:id="rId24"/>
+    <p:notesMasterId r:id="rId26"/>
   </p:notesMasterIdLst>
   <p:sldIdLst>
     <p:sldId id="256" r:id="rId2"/>
     <p:sldId id="274" r:id="rId3"/>
     <p:sldId id="259" r:id="rId4"/>
     <p:sldId id="301" r:id="rId5"/>
-    <p:sldId id="262" r:id="rId6"/>
-    <p:sldId id="309" r:id="rId7"/>
-    <p:sldId id="311" r:id="rId8"/>
-    <p:sldId id="312" r:id="rId9"/>
-    <p:sldId id="315" r:id="rId10"/>
-    <p:sldId id="317" r:id="rId11"/>
-    <p:sldId id="318" r:id="rId12"/>
-    <p:sldId id="319" r:id="rId13"/>
-    <p:sldId id="316" r:id="rId14"/>
-    <p:sldId id="314" r:id="rId15"/>
-    <p:sldId id="285" r:id="rId16"/>
-    <p:sldId id="313" r:id="rId17"/>
-    <p:sldId id="320" r:id="rId18"/>
-    <p:sldId id="321" r:id="rId19"/>
-    <p:sldId id="324" r:id="rId20"/>
-    <p:sldId id="322" r:id="rId21"/>
-    <p:sldId id="323" r:id="rId22"/>
-    <p:sldId id="271" r:id="rId23"/>
+    <p:sldId id="326" r:id="rId6"/>
+    <p:sldId id="325" r:id="rId7"/>
+    <p:sldId id="262" r:id="rId8"/>
+    <p:sldId id="309" r:id="rId9"/>
+    <p:sldId id="311" r:id="rId10"/>
+    <p:sldId id="312" r:id="rId11"/>
+    <p:sldId id="315" r:id="rId12"/>
+    <p:sldId id="317" r:id="rId13"/>
+    <p:sldId id="318" r:id="rId14"/>
+    <p:sldId id="319" r:id="rId15"/>
+    <p:sldId id="316" r:id="rId16"/>
+    <p:sldId id="314" r:id="rId17"/>
+    <p:sldId id="285" r:id="rId18"/>
+    <p:sldId id="313" r:id="rId19"/>
+    <p:sldId id="320" r:id="rId20"/>
+    <p:sldId id="321" r:id="rId21"/>
+    <p:sldId id="324" r:id="rId22"/>
+    <p:sldId id="322" r:id="rId23"/>
+    <p:sldId id="323" r:id="rId24"/>
+    <p:sldId id="271" r:id="rId25"/>
   </p:sldIdLst>
   <p:sldSz cx="12192000" cy="6858000"/>
   <p:notesSz cx="6858000" cy="9144000"/>
@@ -1844,7 +1846,7 @@
           <a:p>
             <a:fld id="{5CF9EFDB-215C-4120-ADCB-EAD745B7163E}" type="datetimeFigureOut">
               <a:rPr lang="en-US" smtClean="0"/>
-              <a:t>10/13/2021</a:t>
+              <a:t>10/20/2021</a:t>
             </a:fld>
             <a:endParaRPr lang="en-US"/>
           </a:p>
@@ -2111,6 +2113,90 @@
 </p:notesMaster>
 </file>
 
+<file path=ppt/notesSlides/notesSlide1.xml><?xml version="1.0" encoding="utf-8"?>
+<p:notes xmlns:a="http://schemas.openxmlformats.org/drawingml/2006/main" xmlns:r="http://schemas.openxmlformats.org/officeDocument/2006/relationships" xmlns:p="http://schemas.openxmlformats.org/presentationml/2006/main">
+  <p:cSld>
+    <p:spTree>
+      <p:nvGrpSpPr>
+        <p:cNvPr id="1" name=""/>
+        <p:cNvGrpSpPr/>
+        <p:nvPr/>
+      </p:nvGrpSpPr>
+      <p:grpSpPr>
+        <a:xfrm>
+          <a:off x="0" y="0"/>
+          <a:ext cx="0" cy="0"/>
+          <a:chOff x="0" y="0"/>
+          <a:chExt cx="0" cy="0"/>
+        </a:xfrm>
+      </p:grpSpPr>
+      <p:sp>
+        <p:nvSpPr>
+          <p:cNvPr id="2" name="Slide Image Placeholder 1"/>
+          <p:cNvSpPr>
+            <a:spLocks noGrp="1" noRot="1" noChangeAspect="1"/>
+          </p:cNvSpPr>
+          <p:nvPr>
+            <p:ph type="sldImg"/>
+          </p:nvPr>
+        </p:nvSpPr>
+        <p:spPr/>
+      </p:sp>
+      <p:sp>
+        <p:nvSpPr>
+          <p:cNvPr id="3" name="Notes Placeholder 2"/>
+          <p:cNvSpPr>
+            <a:spLocks noGrp="1"/>
+          </p:cNvSpPr>
+          <p:nvPr>
+            <p:ph type="body" idx="1"/>
+          </p:nvPr>
+        </p:nvSpPr>
+        <p:spPr/>
+        <p:txBody>
+          <a:bodyPr/>
+          <a:lstStyle/>
+          <a:p>
+            <a:endParaRPr lang="en-US" dirty="0"/>
+          </a:p>
+        </p:txBody>
+      </p:sp>
+      <p:sp>
+        <p:nvSpPr>
+          <p:cNvPr id="4" name="Slide Number Placeholder 3"/>
+          <p:cNvSpPr>
+            <a:spLocks noGrp="1"/>
+          </p:cNvSpPr>
+          <p:nvPr>
+            <p:ph type="sldNum" sz="quarter" idx="5"/>
+          </p:nvPr>
+        </p:nvSpPr>
+        <p:spPr/>
+        <p:txBody>
+          <a:bodyPr/>
+          <a:lstStyle/>
+          <a:p>
+            <a:fld id="{791F1524-C5FD-4370-8A10-5BE52A97A495}" type="slidenum">
+              <a:rPr lang="en-US" smtClean="0"/>
+              <a:t>8</a:t>
+            </a:fld>
+            <a:endParaRPr lang="en-US"/>
+          </a:p>
+        </p:txBody>
+      </p:sp>
+    </p:spTree>
+    <p:extLst>
+      <p:ext uri="{BB962C8B-B14F-4D97-AF65-F5344CB8AC3E}">
+        <p14:creationId xmlns:p14="http://schemas.microsoft.com/office/powerpoint/2010/main" val="2760388687"/>
+      </p:ext>
+    </p:extLst>
+  </p:cSld>
+  <p:clrMapOvr>
+    <a:masterClrMapping/>
+  </p:clrMapOvr>
+</p:notes>
+</file>
+
 <file path=ppt/slideLayouts/slideLayout1.xml><?xml version="1.0" encoding="utf-8"?>
 <p:sldLayout xmlns:a="http://schemas.openxmlformats.org/drawingml/2006/main" xmlns:r="http://schemas.openxmlformats.org/officeDocument/2006/relationships" xmlns:p="http://schemas.openxmlformats.org/presentationml/2006/main" showMasterSp="0" type="title" preserve="1">
   <p:cSld name="Title Slide">
@@ -2305,7 +2391,7 @@
           <a:p>
             <a:fld id="{ACF1A1B0-862D-4909-A7DB-D8ADA062DFCA}" type="datetimeFigureOut">
               <a:rPr lang="en-US" dirty="0"/>
-              <a:t>10/13/2021</a:t>
+              <a:t>10/20/2021</a:t>
             </a:fld>
             <a:endParaRPr lang="en-US"/>
           </a:p>
@@ -2528,7 +2614,7 @@
           <a:p>
             <a:fld id="{7B156144-9CB7-4E3A-B87E-A382F9BE05EF}" type="datetimeFigureOut">
               <a:rPr lang="en-US" dirty="0"/>
-              <a:t>10/13/2021</a:t>
+              <a:t>10/20/2021</a:t>
             </a:fld>
             <a:endParaRPr lang="en-US"/>
           </a:p>
@@ -2706,7 +2792,7 @@
           <a:p>
             <a:fld id="{2643D55F-46AB-4791-9172-4FA8DD3A6A9C}" type="datetimeFigureOut">
               <a:rPr lang="en-US" dirty="0"/>
-              <a:t>10/13/2021</a:t>
+              <a:t>10/20/2021</a:t>
             </a:fld>
             <a:endParaRPr lang="en-US"/>
           </a:p>
@@ -2874,7 +2960,7 @@
           <a:p>
             <a:fld id="{58026881-8A08-449C-8D73-E5F201F814C1}" type="datetimeFigureOut">
               <a:rPr lang="en-US" dirty="0"/>
-              <a:t>10/13/2021</a:t>
+              <a:t>10/20/2021</a:t>
             </a:fld>
             <a:endParaRPr lang="en-US"/>
           </a:p>
@@ -3164,7 +3250,7 @@
           <a:p>
             <a:fld id="{1BEB5A5E-0C07-4E93-A112-D37B4D166B30}" type="datetimeFigureOut">
               <a:rPr lang="en-US" dirty="0"/>
-              <a:t>10/13/2021</a:t>
+              <a:t>10/20/2021</a:t>
             </a:fld>
             <a:endParaRPr lang="en-US"/>
           </a:p>
@@ -3487,7 +3573,7 @@
           <a:p>
             <a:fld id="{9E1F71C5-DC57-4358-A1EA-30C08AF6E3C5}" type="datetimeFigureOut">
               <a:rPr lang="en-US" dirty="0"/>
-              <a:t>10/13/2021</a:t>
+              <a:t>10/20/2021</a:t>
             </a:fld>
             <a:endParaRPr lang="en-US"/>
           </a:p>
@@ -3896,7 +3982,7 @@
           <a:p>
             <a:fld id="{12571DBA-DE60-4731-B773-47AAA185C143}" type="datetimeFigureOut">
               <a:rPr lang="en-US" dirty="0"/>
-              <a:t>10/13/2021</a:t>
+              <a:t>10/20/2021</a:t>
             </a:fld>
             <a:endParaRPr lang="en-US"/>
           </a:p>
@@ -4013,7 +4099,7 @@
           <a:p>
             <a:fld id="{4F170639-886C-4FCF-9EAB-ABB5DA3F3F4A}" type="datetimeFigureOut">
               <a:rPr lang="en-US" dirty="0"/>
-              <a:t>10/13/2021</a:t>
+              <a:t>10/20/2021</a:t>
             </a:fld>
             <a:endParaRPr lang="en-US"/>
           </a:p>
@@ -4108,7 +4194,7 @@
           <a:p>
             <a:fld id="{34C4A628-C83B-4C66-83F4-1711CE3738FD}" type="datetimeFigureOut">
               <a:rPr lang="en-US" dirty="0"/>
-              <a:t>10/13/2021</a:t>
+              <a:t>10/20/2021</a:t>
             </a:fld>
             <a:endParaRPr lang="en-US"/>
           </a:p>
@@ -4393,7 +4479,7 @@
           <a:p>
             <a:fld id="{B88C1D73-9400-43CA-A37F-F9B7D00DE14C}" type="datetimeFigureOut">
               <a:rPr lang="en-US" dirty="0"/>
-              <a:t>10/13/2021</a:t>
+              <a:t>10/20/2021</a:t>
             </a:fld>
             <a:endParaRPr lang="en-US"/>
           </a:p>
@@ -4665,7 +4751,7 @@
           <a:p>
             <a:fld id="{188B7711-B905-4633-B4D7-6F3A49A2E7D9}" type="datetimeFigureOut">
               <a:rPr lang="en-US" dirty="0"/>
-              <a:t>10/13/2021</a:t>
+              <a:t>10/20/2021</a:t>
             </a:fld>
             <a:endParaRPr lang="en-US"/>
           </a:p>
@@ -4915,7 +5001,7 @@
             <a:fld id="{89C235CF-BDA2-4E7E-8BBD-350479985E74}" type="datetimeFigureOut">
               <a:rPr lang="en-US" dirty="0"/>
               <a:pPr/>
-              <a:t>10/13/2021</a:t>
+              <a:t>10/20/2021</a:t>
             </a:fld>
             <a:endParaRPr lang="en-US"/>
           </a:p>
@@ -5476,6 +5562,435 @@
           <a:chExt cx="0" cy="0"/>
         </a:xfrm>
       </p:grpSpPr>
+      <p:sp>
+        <p:nvSpPr>
+          <p:cNvPr id="2" name="Title 1">
+            <a:extLst>
+              <a:ext uri="{FF2B5EF4-FFF2-40B4-BE49-F238E27FC236}">
+                <a16:creationId xmlns:a16="http://schemas.microsoft.com/office/drawing/2014/main" id="{B265F5EB-9684-4D18-B74A-663934E16193}"/>
+              </a:ext>
+            </a:extLst>
+          </p:cNvPr>
+          <p:cNvSpPr>
+            <a:spLocks noGrp="1"/>
+          </p:cNvSpPr>
+          <p:nvPr>
+            <p:ph type="title"/>
+          </p:nvPr>
+        </p:nvSpPr>
+        <p:spPr/>
+        <p:txBody>
+          <a:bodyPr/>
+          <a:lstStyle/>
+          <a:p>
+            <a:r>
+              <a:rPr lang="en-US" dirty="0"/>
+              <a:t>Intro to Databases (15 mins) </a:t>
+            </a:r>
+          </a:p>
+        </p:txBody>
+      </p:sp>
+      <p:sp>
+        <p:nvSpPr>
+          <p:cNvPr id="3" name="Content Placeholder 2">
+            <a:extLst>
+              <a:ext uri="{FF2B5EF4-FFF2-40B4-BE49-F238E27FC236}">
+                <a16:creationId xmlns:a16="http://schemas.microsoft.com/office/drawing/2014/main" id="{5EFB4276-4F33-4A63-ADFF-CD02A82CAB63}"/>
+              </a:ext>
+            </a:extLst>
+          </p:cNvPr>
+          <p:cNvSpPr>
+            <a:spLocks noGrp="1"/>
+          </p:cNvSpPr>
+          <p:nvPr>
+            <p:ph idx="1"/>
+          </p:nvPr>
+        </p:nvSpPr>
+        <p:spPr>
+          <a:xfrm>
+            <a:off x="1261872" y="1828800"/>
+            <a:ext cx="4946423" cy="4351337"/>
+          </a:xfrm>
+        </p:spPr>
+        <p:txBody>
+          <a:bodyPr/>
+          <a:lstStyle/>
+          <a:p>
+            <a:r>
+              <a:rPr lang="en-US" dirty="0">
+                <a:hlinkClick r:id="rId2"/>
+              </a:rPr>
+              <a:t>https://www.edureka.co/blog/what-is-a-database/</a:t>
+            </a:r>
+            <a:r>
+              <a:rPr lang="en-US" dirty="0"/>
+              <a:t> </a:t>
+            </a:r>
+          </a:p>
+          <a:p>
+            <a:r>
+              <a:rPr lang="en-US" altLang="en-US" b="1" i="1" u="sng" dirty="0"/>
+              <a:t>D</a:t>
+            </a:r>
+            <a:r>
+              <a:rPr lang="en-US" altLang="en-US" dirty="0"/>
+              <a:t>ata</a:t>
+            </a:r>
+            <a:r>
+              <a:rPr lang="en-US" altLang="en-US" b="1" i="1" u="sng" dirty="0"/>
+              <a:t>b</a:t>
+            </a:r>
+            <a:r>
+              <a:rPr lang="en-US" altLang="en-US" dirty="0"/>
+              <a:t>ase </a:t>
+            </a:r>
+            <a:r>
+              <a:rPr lang="en-US" altLang="en-US" b="1" i="1" u="sng" dirty="0"/>
+              <a:t>M</a:t>
+            </a:r>
+            <a:r>
+              <a:rPr lang="en-US" altLang="en-US" dirty="0"/>
+              <a:t>anagement </a:t>
+            </a:r>
+            <a:r>
+              <a:rPr lang="en-US" altLang="en-US" b="1" i="1" u="sng" dirty="0"/>
+              <a:t>S</a:t>
+            </a:r>
+            <a:r>
+              <a:rPr lang="en-US" altLang="en-US" dirty="0"/>
+              <a:t>ystems (DBMS)</a:t>
+            </a:r>
+          </a:p>
+          <a:p>
+            <a:r>
+              <a:rPr lang="en-US" altLang="en-US" dirty="0"/>
+              <a:t>Database – collection of records that can be added, modified, and managed AND processed into useful information</a:t>
+            </a:r>
+          </a:p>
+          <a:p>
+            <a:r>
+              <a:rPr lang="en-US" dirty="0"/>
+              <a:t>Many different types of databases, but we will mostly use RDBMS</a:t>
+            </a:r>
+          </a:p>
+          <a:p>
+            <a:r>
+              <a:rPr lang="en-US" dirty="0"/>
+              <a:t>Schema – logical configuration of all the tables in a relational database</a:t>
+            </a:r>
+          </a:p>
+        </p:txBody>
+      </p:sp>
+      <p:pic>
+        <p:nvPicPr>
+          <p:cNvPr id="1026" name="Picture 2" descr="What is a Database?">
+            <a:extLst>
+              <a:ext uri="{FF2B5EF4-FFF2-40B4-BE49-F238E27FC236}">
+                <a16:creationId xmlns:a16="http://schemas.microsoft.com/office/drawing/2014/main" id="{2BFF2E5E-567B-4368-8516-DC5997D05548}"/>
+              </a:ext>
+            </a:extLst>
+          </p:cNvPr>
+          <p:cNvPicPr>
+            <a:picLocks noChangeAspect="1" noChangeArrowheads="1"/>
+          </p:cNvPicPr>
+          <p:nvPr/>
+        </p:nvPicPr>
+        <p:blipFill>
+          <a:blip r:embed="rId3">
+            <a:extLst>
+              <a:ext uri="{28A0092B-C50C-407E-A947-70E740481C1C}">
+                <a14:useLocalDpi xmlns:a14="http://schemas.microsoft.com/office/drawing/2010/main" val="0"/>
+              </a:ext>
+            </a:extLst>
+          </a:blip>
+          <a:srcRect/>
+          <a:stretch>
+            <a:fillRect/>
+          </a:stretch>
+        </p:blipFill>
+        <p:spPr bwMode="auto">
+          <a:xfrm>
+            <a:off x="7500032" y="2409886"/>
+            <a:ext cx="2847125" cy="3016908"/>
+          </a:xfrm>
+          <a:prstGeom prst="rect">
+            <a:avLst/>
+          </a:prstGeom>
+          <a:noFill/>
+          <a:extLst>
+            <a:ext uri="{909E8E84-426E-40DD-AFC4-6F175D3DCCD1}">
+              <a14:hiddenFill xmlns:a14="http://schemas.microsoft.com/office/drawing/2010/main">
+                <a:solidFill>
+                  <a:srgbClr val="FFFFFF"/>
+                </a:solidFill>
+              </a14:hiddenFill>
+            </a:ext>
+          </a:extLst>
+        </p:spPr>
+      </p:pic>
+    </p:spTree>
+    <p:extLst>
+      <p:ext uri="{BB962C8B-B14F-4D97-AF65-F5344CB8AC3E}">
+        <p14:creationId xmlns:p14="http://schemas.microsoft.com/office/powerpoint/2010/main" val="402282011"/>
+      </p:ext>
+    </p:extLst>
+  </p:cSld>
+  <p:clrMapOvr>
+    <a:masterClrMapping/>
+  </p:clrMapOvr>
+</p:sld>
+</file>
+
+<file path=ppt/slides/slide11.xml><?xml version="1.0" encoding="utf-8"?>
+<p:sld xmlns:a="http://schemas.openxmlformats.org/drawingml/2006/main" xmlns:r="http://schemas.openxmlformats.org/officeDocument/2006/relationships" xmlns:p="http://schemas.openxmlformats.org/presentationml/2006/main">
+  <p:cSld>
+    <p:spTree>
+      <p:nvGrpSpPr>
+        <p:cNvPr id="1" name=""/>
+        <p:cNvGrpSpPr/>
+        <p:nvPr/>
+      </p:nvGrpSpPr>
+      <p:grpSpPr>
+        <a:xfrm>
+          <a:off x="0" y="0"/>
+          <a:ext cx="0" cy="0"/>
+          <a:chOff x="0" y="0"/>
+          <a:chExt cx="0" cy="0"/>
+        </a:xfrm>
+      </p:grpSpPr>
+      <p:sp>
+        <p:nvSpPr>
+          <p:cNvPr id="2" name="Title 1">
+            <a:extLst>
+              <a:ext uri="{FF2B5EF4-FFF2-40B4-BE49-F238E27FC236}">
+                <a16:creationId xmlns:a16="http://schemas.microsoft.com/office/drawing/2014/main" id="{02CA76D8-95C0-4F4C-8922-5455BCEE4ECB}"/>
+              </a:ext>
+            </a:extLst>
+          </p:cNvPr>
+          <p:cNvSpPr>
+            <a:spLocks noGrp="1"/>
+          </p:cNvSpPr>
+          <p:nvPr>
+            <p:ph type="title"/>
+          </p:nvPr>
+        </p:nvSpPr>
+        <p:spPr/>
+        <p:txBody>
+          <a:bodyPr/>
+          <a:lstStyle/>
+          <a:p>
+            <a:r>
+              <a:rPr lang="en-US" dirty="0"/>
+              <a:t>DBMS</a:t>
+            </a:r>
+          </a:p>
+        </p:txBody>
+      </p:sp>
+      <p:sp>
+        <p:nvSpPr>
+          <p:cNvPr id="3" name="Content Placeholder 2">
+            <a:extLst>
+              <a:ext uri="{FF2B5EF4-FFF2-40B4-BE49-F238E27FC236}">
+                <a16:creationId xmlns:a16="http://schemas.microsoft.com/office/drawing/2014/main" id="{D3DAF86D-BAD8-4262-A7AF-097A81C008B9}"/>
+              </a:ext>
+            </a:extLst>
+          </p:cNvPr>
+          <p:cNvSpPr>
+            <a:spLocks noGrp="1"/>
+          </p:cNvSpPr>
+          <p:nvPr>
+            <p:ph idx="1"/>
+          </p:nvPr>
+        </p:nvSpPr>
+        <p:spPr/>
+        <p:txBody>
+          <a:bodyPr>
+            <a:normAutofit lnSpcReduction="10000"/>
+          </a:bodyPr>
+          <a:lstStyle/>
+          <a:p>
+            <a:pPr>
+              <a:lnSpc>
+                <a:spcPct val="90000"/>
+              </a:lnSpc>
+            </a:pPr>
+            <a:r>
+              <a:rPr lang="en-US" altLang="en-US" dirty="0"/>
+              <a:t>Collection of interrelated data</a:t>
+            </a:r>
+          </a:p>
+          <a:p>
+            <a:pPr>
+              <a:lnSpc>
+                <a:spcPct val="90000"/>
+              </a:lnSpc>
+            </a:pPr>
+            <a:r>
+              <a:rPr lang="en-US" altLang="en-US" dirty="0"/>
+              <a:t>Set of programs to access the data </a:t>
+            </a:r>
+          </a:p>
+          <a:p>
+            <a:pPr>
+              <a:lnSpc>
+                <a:spcPct val="90000"/>
+              </a:lnSpc>
+            </a:pPr>
+            <a:r>
+              <a:rPr lang="en-US" altLang="en-US" dirty="0"/>
+              <a:t>DBMS contains information about a particular enterprise</a:t>
+            </a:r>
+          </a:p>
+          <a:p>
+            <a:pPr>
+              <a:lnSpc>
+                <a:spcPct val="90000"/>
+              </a:lnSpc>
+            </a:pPr>
+            <a:r>
+              <a:rPr lang="en-US" altLang="en-US" dirty="0"/>
+              <a:t>DBMS provides an environment that is both </a:t>
+            </a:r>
+            <a:r>
+              <a:rPr lang="en-US" altLang="en-US" i="1" dirty="0"/>
+              <a:t>convenient</a:t>
+            </a:r>
+            <a:r>
+              <a:rPr lang="en-US" altLang="en-US" dirty="0"/>
+              <a:t> and </a:t>
+            </a:r>
+            <a:r>
+              <a:rPr lang="en-US" altLang="en-US" i="1" dirty="0"/>
+              <a:t>efficient</a:t>
+            </a:r>
+            <a:r>
+              <a:rPr lang="en-US" altLang="en-US" dirty="0"/>
+              <a:t> to use.</a:t>
+            </a:r>
+          </a:p>
+          <a:p>
+            <a:pPr>
+              <a:lnSpc>
+                <a:spcPct val="90000"/>
+              </a:lnSpc>
+            </a:pPr>
+            <a:r>
+              <a:rPr lang="en-US" altLang="en-US" dirty="0"/>
+              <a:t>Database Applications:</a:t>
+            </a:r>
+          </a:p>
+          <a:p>
+            <a:pPr lvl="1">
+              <a:lnSpc>
+                <a:spcPct val="90000"/>
+              </a:lnSpc>
+            </a:pPr>
+            <a:r>
+              <a:rPr lang="en-US" altLang="en-US" dirty="0"/>
+              <a:t>Banking: all transactions</a:t>
+            </a:r>
+          </a:p>
+          <a:p>
+            <a:pPr lvl="1">
+              <a:lnSpc>
+                <a:spcPct val="90000"/>
+              </a:lnSpc>
+            </a:pPr>
+            <a:r>
+              <a:rPr lang="en-US" altLang="en-US" dirty="0"/>
+              <a:t>Airlines: reservations, schedules</a:t>
+            </a:r>
+          </a:p>
+          <a:p>
+            <a:pPr lvl="1">
+              <a:lnSpc>
+                <a:spcPct val="90000"/>
+              </a:lnSpc>
+            </a:pPr>
+            <a:r>
+              <a:rPr lang="en-US" altLang="en-US" dirty="0"/>
+              <a:t>Universities:  registration, grades</a:t>
+            </a:r>
+          </a:p>
+          <a:p>
+            <a:pPr lvl="1">
+              <a:lnSpc>
+                <a:spcPct val="90000"/>
+              </a:lnSpc>
+            </a:pPr>
+            <a:r>
+              <a:rPr lang="en-US" altLang="en-US" dirty="0"/>
+              <a:t>Sales: customers, products, purchases</a:t>
+            </a:r>
+          </a:p>
+          <a:p>
+            <a:pPr lvl="1">
+              <a:lnSpc>
+                <a:spcPct val="90000"/>
+              </a:lnSpc>
+            </a:pPr>
+            <a:r>
+              <a:rPr lang="en-US" altLang="en-US" dirty="0"/>
+              <a:t>Manufacturing: production, inventory, orders, supply chain</a:t>
+            </a:r>
+          </a:p>
+          <a:p>
+            <a:pPr lvl="1">
+              <a:lnSpc>
+                <a:spcPct val="90000"/>
+              </a:lnSpc>
+            </a:pPr>
+            <a:r>
+              <a:rPr lang="en-US" altLang="en-US" dirty="0"/>
+              <a:t>Human resources:  employee records, salaries, tax deductions</a:t>
+            </a:r>
+          </a:p>
+          <a:p>
+            <a:pPr>
+              <a:lnSpc>
+                <a:spcPct val="90000"/>
+              </a:lnSpc>
+            </a:pPr>
+            <a:r>
+              <a:rPr lang="en-US" altLang="en-US" dirty="0"/>
+              <a:t>Databases touch all aspects of our lives</a:t>
+            </a:r>
+          </a:p>
+          <a:p>
+            <a:endParaRPr lang="en-US" dirty="0"/>
+          </a:p>
+        </p:txBody>
+      </p:sp>
+    </p:spTree>
+    <p:extLst>
+      <p:ext uri="{BB962C8B-B14F-4D97-AF65-F5344CB8AC3E}">
+        <p14:creationId xmlns:p14="http://schemas.microsoft.com/office/powerpoint/2010/main" val="519146140"/>
+      </p:ext>
+    </p:extLst>
+  </p:cSld>
+  <p:clrMapOvr>
+    <a:masterClrMapping/>
+  </p:clrMapOvr>
+</p:sld>
+</file>
+
+<file path=ppt/slides/slide12.xml><?xml version="1.0" encoding="utf-8"?>
+<p:sld xmlns:a="http://schemas.openxmlformats.org/drawingml/2006/main" xmlns:r="http://schemas.openxmlformats.org/officeDocument/2006/relationships" xmlns:p="http://schemas.openxmlformats.org/presentationml/2006/main">
+  <p:cSld>
+    <p:spTree>
+      <p:nvGrpSpPr>
+        <p:cNvPr id="1" name=""/>
+        <p:cNvGrpSpPr/>
+        <p:nvPr/>
+      </p:nvGrpSpPr>
+      <p:grpSpPr>
+        <a:xfrm>
+          <a:off x="0" y="0"/>
+          <a:ext cx="0" cy="0"/>
+          <a:chOff x="0" y="0"/>
+          <a:chExt cx="0" cy="0"/>
+        </a:xfrm>
+      </p:grpSpPr>
       <p:pic>
         <p:nvPicPr>
           <p:cNvPr id="5" name="Content Placeholder 4">
@@ -5518,7 +6033,7 @@
 </p:sld>
 </file>
 
-<file path=ppt/slides/slide11.xml><?xml version="1.0" encoding="utf-8"?>
+<file path=ppt/slides/slide13.xml><?xml version="1.0" encoding="utf-8"?>
 <p:sld xmlns:a="http://schemas.openxmlformats.org/drawingml/2006/main" xmlns:r="http://schemas.openxmlformats.org/officeDocument/2006/relationships" xmlns:p="http://schemas.openxmlformats.org/presentationml/2006/main">
   <p:cSld>
     <p:spTree>
@@ -5595,7 +6110,7 @@
 </p:sld>
 </file>
 
-<file path=ppt/slides/slide12.xml><?xml version="1.0" encoding="utf-8"?>
+<file path=ppt/slides/slide14.xml><?xml version="1.0" encoding="utf-8"?>
 <p:sld xmlns:a="http://schemas.openxmlformats.org/drawingml/2006/main" xmlns:r="http://schemas.openxmlformats.org/officeDocument/2006/relationships" xmlns:p="http://schemas.openxmlformats.org/presentationml/2006/main">
   <p:cSld>
     <p:spTree>
@@ -5700,229 +6215,6 @@
 </p:sld>
 </file>
 
-<file path=ppt/slides/slide13.xml><?xml version="1.0" encoding="utf-8"?>
-<p:sld xmlns:a="http://schemas.openxmlformats.org/drawingml/2006/main" xmlns:r="http://schemas.openxmlformats.org/officeDocument/2006/relationships" xmlns:p="http://schemas.openxmlformats.org/presentationml/2006/main">
-  <p:cSld>
-    <p:spTree>
-      <p:nvGrpSpPr>
-        <p:cNvPr id="1" name=""/>
-        <p:cNvGrpSpPr/>
-        <p:nvPr/>
-      </p:nvGrpSpPr>
-      <p:grpSpPr>
-        <a:xfrm>
-          <a:off x="0" y="0"/>
-          <a:ext cx="0" cy="0"/>
-          <a:chOff x="0" y="0"/>
-          <a:chExt cx="0" cy="0"/>
-        </a:xfrm>
-      </p:grpSpPr>
-      <p:sp>
-        <p:nvSpPr>
-          <p:cNvPr id="2" name="Title 1">
-            <a:extLst>
-              <a:ext uri="{FF2B5EF4-FFF2-40B4-BE49-F238E27FC236}">
-                <a16:creationId xmlns:a16="http://schemas.microsoft.com/office/drawing/2014/main" id="{3D83FB03-309B-469E-B6AF-491652BEF2B9}"/>
-              </a:ext>
-            </a:extLst>
-          </p:cNvPr>
-          <p:cNvSpPr>
-            <a:spLocks noGrp="1"/>
-          </p:cNvSpPr>
-          <p:nvPr>
-            <p:ph type="title"/>
-          </p:nvPr>
-        </p:nvSpPr>
-        <p:spPr/>
-        <p:txBody>
-          <a:bodyPr/>
-          <a:lstStyle/>
-          <a:p>
-            <a:r>
-              <a:rPr lang="en-US" dirty="0"/>
-              <a:t>ACID</a:t>
-            </a:r>
-          </a:p>
-        </p:txBody>
-      </p:sp>
-      <p:sp>
-        <p:nvSpPr>
-          <p:cNvPr id="3" name="Content Placeholder 2">
-            <a:extLst>
-              <a:ext uri="{FF2B5EF4-FFF2-40B4-BE49-F238E27FC236}">
-                <a16:creationId xmlns:a16="http://schemas.microsoft.com/office/drawing/2014/main" id="{FE15AEA0-4C65-473E-9314-B8CA9C5C376B}"/>
-              </a:ext>
-            </a:extLst>
-          </p:cNvPr>
-          <p:cNvSpPr>
-            <a:spLocks noGrp="1"/>
-          </p:cNvSpPr>
-          <p:nvPr>
-            <p:ph idx="1"/>
-          </p:nvPr>
-        </p:nvSpPr>
-        <p:spPr/>
-        <p:txBody>
-          <a:bodyPr/>
-          <a:lstStyle/>
-          <a:p>
-            <a:pPr marL="0" indent="0">
-              <a:buNone/>
-            </a:pPr>
-            <a:r>
-              <a:rPr lang="en-US" dirty="0"/>
-              <a:t>Properties of all databases transactions, that guarantee accuracy of database</a:t>
-            </a:r>
-          </a:p>
-          <a:p>
-            <a:r>
-              <a:rPr lang="en-US" dirty="0"/>
-              <a:t>Atomicity – The whole transaction either succeeds or fails when a changes is made to a database. “All or nothing”</a:t>
-            </a:r>
-          </a:p>
-          <a:p>
-            <a:r>
-              <a:rPr lang="en-US" dirty="0"/>
-              <a:t>Consistency – All data will follow rules, including constraints, cascades, and triggers</a:t>
-            </a:r>
-          </a:p>
-          <a:p>
-            <a:r>
-              <a:rPr lang="en-US" dirty="0"/>
-              <a:t>Isolation – All transactions will occur in isolation. So, no transaction can alter another uncommitted transaction</a:t>
-            </a:r>
-          </a:p>
-          <a:p>
-            <a:r>
-              <a:rPr lang="en-US" dirty="0"/>
-              <a:t>Durability – Once a transaction is committed it will stay in the system. Even if the system crashes, the data will persist. </a:t>
-            </a:r>
-          </a:p>
-          <a:p>
-            <a:pPr marL="0" indent="0">
-              <a:buNone/>
-            </a:pPr>
-            <a:endParaRPr lang="en-US" dirty="0"/>
-          </a:p>
-        </p:txBody>
-      </p:sp>
-    </p:spTree>
-    <p:extLst>
-      <p:ext uri="{BB962C8B-B14F-4D97-AF65-F5344CB8AC3E}">
-        <p14:creationId xmlns:p14="http://schemas.microsoft.com/office/powerpoint/2010/main" val="4156831203"/>
-      </p:ext>
-    </p:extLst>
-  </p:cSld>
-  <p:clrMapOvr>
-    <a:masterClrMapping/>
-  </p:clrMapOvr>
-</p:sld>
-</file>
-
-<file path=ppt/slides/slide14.xml><?xml version="1.0" encoding="utf-8"?>
-<p:sld xmlns:a="http://schemas.openxmlformats.org/drawingml/2006/main" xmlns:r="http://schemas.openxmlformats.org/officeDocument/2006/relationships" xmlns:p="http://schemas.openxmlformats.org/presentationml/2006/main">
-  <p:cSld>
-    <p:spTree>
-      <p:nvGrpSpPr>
-        <p:cNvPr id="1" name=""/>
-        <p:cNvGrpSpPr/>
-        <p:nvPr/>
-      </p:nvGrpSpPr>
-      <p:grpSpPr>
-        <a:xfrm>
-          <a:off x="0" y="0"/>
-          <a:ext cx="0" cy="0"/>
-          <a:chOff x="0" y="0"/>
-          <a:chExt cx="0" cy="0"/>
-        </a:xfrm>
-      </p:grpSpPr>
-      <p:sp>
-        <p:nvSpPr>
-          <p:cNvPr id="2" name="Title 1">
-            <a:extLst>
-              <a:ext uri="{FF2B5EF4-FFF2-40B4-BE49-F238E27FC236}">
-                <a16:creationId xmlns:a16="http://schemas.microsoft.com/office/drawing/2014/main" id="{A9305737-D4DE-43AA-B0F3-369170DC58B4}"/>
-              </a:ext>
-            </a:extLst>
-          </p:cNvPr>
-          <p:cNvSpPr>
-            <a:spLocks noGrp="1"/>
-          </p:cNvSpPr>
-          <p:nvPr>
-            <p:ph type="title"/>
-          </p:nvPr>
-        </p:nvSpPr>
-        <p:spPr/>
-        <p:txBody>
-          <a:bodyPr/>
-          <a:lstStyle/>
-          <a:p>
-            <a:r>
-              <a:rPr lang="en-US" dirty="0"/>
-              <a:t>Review (3 mins)</a:t>
-            </a:r>
-          </a:p>
-        </p:txBody>
-      </p:sp>
-      <p:sp>
-        <p:nvSpPr>
-          <p:cNvPr id="3" name="Content Placeholder 2">
-            <a:extLst>
-              <a:ext uri="{FF2B5EF4-FFF2-40B4-BE49-F238E27FC236}">
-                <a16:creationId xmlns:a16="http://schemas.microsoft.com/office/drawing/2014/main" id="{5093C6C7-E77B-47D6-A3DC-82C198B87BEF}"/>
-              </a:ext>
-            </a:extLst>
-          </p:cNvPr>
-          <p:cNvSpPr>
-            <a:spLocks noGrp="1"/>
-          </p:cNvSpPr>
-          <p:nvPr>
-            <p:ph idx="1"/>
-          </p:nvPr>
-        </p:nvSpPr>
-        <p:spPr/>
-        <p:txBody>
-          <a:bodyPr/>
-          <a:lstStyle/>
-          <a:p>
-            <a:r>
-              <a:rPr lang="en-US" dirty="0"/>
-              <a:t>What is data?</a:t>
-            </a:r>
-          </a:p>
-          <a:p>
-            <a:endParaRPr lang="en-US" dirty="0"/>
-          </a:p>
-          <a:p>
-            <a:r>
-              <a:rPr lang="en-US" dirty="0"/>
-              <a:t>What is a database?</a:t>
-            </a:r>
-          </a:p>
-          <a:p>
-            <a:endParaRPr lang="en-US" dirty="0"/>
-          </a:p>
-          <a:p>
-            <a:r>
-              <a:rPr lang="en-US" dirty="0"/>
-              <a:t>What are the different types of data? Which is/are found in RDBMS?</a:t>
-            </a:r>
-          </a:p>
-        </p:txBody>
-      </p:sp>
-    </p:spTree>
-    <p:extLst>
-      <p:ext uri="{BB962C8B-B14F-4D97-AF65-F5344CB8AC3E}">
-        <p14:creationId xmlns:p14="http://schemas.microsoft.com/office/powerpoint/2010/main" val="2095181096"/>
-      </p:ext>
-    </p:extLst>
-  </p:cSld>
-  <p:clrMapOvr>
-    <a:masterClrMapping/>
-  </p:clrMapOvr>
-</p:sld>
-</file>
-
 <file path=ppt/slides/slide15.xml><?xml version="1.0" encoding="utf-8"?>
 <p:sld xmlns:a="http://schemas.openxmlformats.org/drawingml/2006/main" xmlns:r="http://schemas.openxmlformats.org/officeDocument/2006/relationships" xmlns:p="http://schemas.openxmlformats.org/presentationml/2006/main">
   <p:cSld>
@@ -5942,10 +6234,10 @@
       </p:grpSpPr>
       <p:sp>
         <p:nvSpPr>
-          <p:cNvPr id="4" name="Title 3">
+          <p:cNvPr id="2" name="Title 1">
             <a:extLst>
               <a:ext uri="{FF2B5EF4-FFF2-40B4-BE49-F238E27FC236}">
-                <a16:creationId xmlns:a16="http://schemas.microsoft.com/office/drawing/2014/main" id="{297BDE90-8DCF-4039-AB05-11C3F09C3813}"/>
+                <a16:creationId xmlns:a16="http://schemas.microsoft.com/office/drawing/2014/main" id="{3D83FB03-309B-469E-B6AF-491652BEF2B9}"/>
               </a:ext>
             </a:extLst>
           </p:cNvPr>
@@ -5953,7 +6245,7 @@
             <a:spLocks noGrp="1"/>
           </p:cNvSpPr>
           <p:nvPr>
-            <p:ph type="ctrTitle"/>
+            <p:ph type="title"/>
           </p:nvPr>
         </p:nvSpPr>
         <p:spPr/>
@@ -5963,17 +6255,17 @@
           <a:p>
             <a:r>
               <a:rPr lang="en-US" dirty="0"/>
-              <a:t>Break (15 Minutes)</a:t>
-            </a:r>
-          </a:p>
-        </p:txBody>
-      </p:sp>
-      <p:sp>
-        <p:nvSpPr>
-          <p:cNvPr id="5" name="Subtitle 4">
+              <a:t>ACID</a:t>
+            </a:r>
+          </a:p>
+        </p:txBody>
+      </p:sp>
+      <p:sp>
+        <p:nvSpPr>
+          <p:cNvPr id="3" name="Content Placeholder 2">
             <a:extLst>
               <a:ext uri="{FF2B5EF4-FFF2-40B4-BE49-F238E27FC236}">
-                <a16:creationId xmlns:a16="http://schemas.microsoft.com/office/drawing/2014/main" id="{AE43AD4D-53BE-4D90-B4EE-A313556AC5A9}"/>
+                <a16:creationId xmlns:a16="http://schemas.microsoft.com/office/drawing/2014/main" id="{FE15AEA0-4C65-473E-9314-B8CA9C5C376B}"/>
               </a:ext>
             </a:extLst>
           </p:cNvPr>
@@ -5981,7 +6273,7 @@
             <a:spLocks noGrp="1"/>
           </p:cNvSpPr>
           <p:nvPr>
-            <p:ph type="subTitle" idx="1"/>
+            <p:ph idx="1"/>
           </p:nvPr>
         </p:nvSpPr>
         <p:spPr/>
@@ -5989,32 +6281,50 @@
           <a:bodyPr/>
           <a:lstStyle/>
           <a:p>
-            <a:r>
-              <a:rPr lang="en-US" dirty="0"/>
-              <a:t>Attendance word: </a:t>
-            </a:r>
-            <a:r>
-              <a:rPr lang="en-US" b="0" i="0" dirty="0" err="1">
-                <a:solidFill>
-                  <a:schemeClr val="tx1"/>
-                </a:solidFill>
-                <a:effectLst/>
-                <a:latin typeface="Slack-Lato"/>
-              </a:rPr>
-              <a:t>DaringDesigner</a:t>
-            </a:r>
-            <a:endParaRPr lang="en-US" dirty="0">
-              <a:solidFill>
-                <a:schemeClr val="tx1"/>
-              </a:solidFill>
-            </a:endParaRPr>
+            <a:pPr marL="0" indent="0">
+              <a:buNone/>
+            </a:pPr>
+            <a:r>
+              <a:rPr lang="en-US" dirty="0"/>
+              <a:t>Properties of all databases transactions, that guarantee accuracy of database</a:t>
+            </a:r>
+          </a:p>
+          <a:p>
+            <a:r>
+              <a:rPr lang="en-US" dirty="0"/>
+              <a:t>Atomicity – The whole transaction either succeeds or fails when a changes is made to a database. “All or nothing”</a:t>
+            </a:r>
+          </a:p>
+          <a:p>
+            <a:r>
+              <a:rPr lang="en-US" dirty="0"/>
+              <a:t>Consistency – All data will follow rules, including constraints, cascades, and triggers</a:t>
+            </a:r>
+          </a:p>
+          <a:p>
+            <a:r>
+              <a:rPr lang="en-US" dirty="0"/>
+              <a:t>Isolation – All transactions will occur in isolation. So, no transaction can alter another uncommitted transaction</a:t>
+            </a:r>
+          </a:p>
+          <a:p>
+            <a:r>
+              <a:rPr lang="en-US" dirty="0"/>
+              <a:t>Durability – Once a transaction is committed it will stay in the system. Even if the system crashes, the data will persist. </a:t>
+            </a:r>
+          </a:p>
+          <a:p>
+            <a:pPr marL="0" indent="0">
+              <a:buNone/>
+            </a:pPr>
+            <a:endParaRPr lang="en-US" dirty="0"/>
           </a:p>
         </p:txBody>
       </p:sp>
     </p:spTree>
     <p:extLst>
       <p:ext uri="{BB962C8B-B14F-4D97-AF65-F5344CB8AC3E}">
-        <p14:creationId xmlns:p14="http://schemas.microsoft.com/office/powerpoint/2010/main" val="3877287137"/>
+        <p14:creationId xmlns:p14="http://schemas.microsoft.com/office/powerpoint/2010/main" val="4156831203"/>
       </p:ext>
     </p:extLst>
   </p:cSld>
@@ -6046,7 +6356,7 @@
           <p:cNvPr id="2" name="Title 1">
             <a:extLst>
               <a:ext uri="{FF2B5EF4-FFF2-40B4-BE49-F238E27FC236}">
-                <a16:creationId xmlns:a16="http://schemas.microsoft.com/office/drawing/2014/main" id="{C6F2DB36-C2ED-4820-8622-13A199BB19D1}"/>
+                <a16:creationId xmlns:a16="http://schemas.microsoft.com/office/drawing/2014/main" id="{A9305737-D4DE-43AA-B0F3-369170DC58B4}"/>
               </a:ext>
             </a:extLst>
           </p:cNvPr>
@@ -6064,7 +6374,7 @@
           <a:p>
             <a:r>
               <a:rPr lang="en-US" dirty="0"/>
-              <a:t>Intro to SQL </a:t>
+              <a:t>Review (3 mins)</a:t>
             </a:r>
           </a:p>
         </p:txBody>
@@ -6074,7 +6384,7 @@
           <p:cNvPr id="3" name="Content Placeholder 2">
             <a:extLst>
               <a:ext uri="{FF2B5EF4-FFF2-40B4-BE49-F238E27FC236}">
-                <a16:creationId xmlns:a16="http://schemas.microsoft.com/office/drawing/2014/main" id="{8D86A265-D6F7-4617-9C64-9B2AA30425B5}"/>
+                <a16:creationId xmlns:a16="http://schemas.microsoft.com/office/drawing/2014/main" id="{5093C6C7-E77B-47D6-A3DC-82C198B87BEF}"/>
               </a:ext>
             </a:extLst>
           </p:cNvPr>
@@ -6091,23 +6401,26 @@
           <a:lstStyle/>
           <a:p>
             <a:r>
-              <a:rPr lang="en-US" dirty="0">
-                <a:hlinkClick r:id="rId2"/>
-              </a:rPr>
-              <a:t>https://www.tutorialspoint.com/sql/sql-overview.htm</a:t>
-            </a:r>
+              <a:rPr lang="en-US" dirty="0"/>
+              <a:t>What is data?</a:t>
+            </a:r>
+          </a:p>
+          <a:p>
             <a:endParaRPr lang="en-US" dirty="0"/>
           </a:p>
           <a:p>
             <a:r>
               <a:rPr lang="en-US" dirty="0"/>
-              <a:t>Structured Query Language </a:t>
-            </a:r>
-          </a:p>
-          <a:p>
-            <a:r>
-              <a:rPr lang="en-US" dirty="0"/>
-              <a:t> We can define data AND manipulate data </a:t>
+              <a:t>What is a database?</a:t>
+            </a:r>
+          </a:p>
+          <a:p>
+            <a:endParaRPr lang="en-US" dirty="0"/>
+          </a:p>
+          <a:p>
+            <a:r>
+              <a:rPr lang="en-US" dirty="0"/>
+              <a:t>What are the different types of data? Which is/are found in RDBMS?</a:t>
             </a:r>
           </a:p>
         </p:txBody>
@@ -6115,7 +6428,7 @@
     </p:spTree>
     <p:extLst>
       <p:ext uri="{BB962C8B-B14F-4D97-AF65-F5344CB8AC3E}">
-        <p14:creationId xmlns:p14="http://schemas.microsoft.com/office/powerpoint/2010/main" val="2372214178"/>
+        <p14:creationId xmlns:p14="http://schemas.microsoft.com/office/powerpoint/2010/main" val="2095181096"/>
       </p:ext>
     </p:extLst>
   </p:cSld>
@@ -6144,10 +6457,10 @@
       </p:grpSpPr>
       <p:sp>
         <p:nvSpPr>
-          <p:cNvPr id="2" name="Title 1">
+          <p:cNvPr id="4" name="Title 3">
             <a:extLst>
               <a:ext uri="{FF2B5EF4-FFF2-40B4-BE49-F238E27FC236}">
-                <a16:creationId xmlns:a16="http://schemas.microsoft.com/office/drawing/2014/main" id="{FF7C0FEF-86DB-43FF-A008-5DD91947CF76}"/>
+                <a16:creationId xmlns:a16="http://schemas.microsoft.com/office/drawing/2014/main" id="{297BDE90-8DCF-4039-AB05-11C3F09C3813}"/>
               </a:ext>
             </a:extLst>
           </p:cNvPr>
@@ -6155,7 +6468,7 @@
             <a:spLocks noGrp="1"/>
           </p:cNvSpPr>
           <p:nvPr>
-            <p:ph type="title"/>
+            <p:ph type="ctrTitle"/>
           </p:nvPr>
         </p:nvSpPr>
         <p:spPr/>
@@ -6165,190 +6478,64 @@
           <a:p>
             <a:r>
               <a:rPr lang="en-US" dirty="0"/>
-              <a:t>Select Statements</a:t>
-            </a:r>
-          </a:p>
-        </p:txBody>
-      </p:sp>
-      <p:sp>
-        <p:nvSpPr>
-          <p:cNvPr id="8" name="TextBox 7">
+              <a:t>Break (15 Minutes)</a:t>
+            </a:r>
+          </a:p>
+        </p:txBody>
+      </p:sp>
+      <p:sp>
+        <p:nvSpPr>
+          <p:cNvPr id="5" name="Subtitle 4">
             <a:extLst>
               <a:ext uri="{FF2B5EF4-FFF2-40B4-BE49-F238E27FC236}">
-                <a16:creationId xmlns:a16="http://schemas.microsoft.com/office/drawing/2014/main" id="{3773097B-60D8-48DC-B9BF-75B0BDD42E77}"/>
+                <a16:creationId xmlns:a16="http://schemas.microsoft.com/office/drawing/2014/main" id="{AE43AD4D-53BE-4D90-B4EE-A313556AC5A9}"/>
               </a:ext>
             </a:extLst>
           </p:cNvPr>
-          <p:cNvSpPr txBox="1"/>
-          <p:nvPr/>
-        </p:nvSpPr>
-        <p:spPr>
-          <a:xfrm>
-            <a:off x="633983" y="2283269"/>
-            <a:ext cx="6096000" cy="646331"/>
-          </a:xfrm>
-          <a:prstGeom prst="rect">
-            <a:avLst/>
-          </a:prstGeom>
-          <a:noFill/>
-        </p:spPr>
-        <p:txBody>
-          <a:bodyPr wrap="square">
-            <a:spAutoFit/>
-          </a:bodyPr>
+          <p:cNvSpPr>
+            <a:spLocks noGrp="1"/>
+          </p:cNvSpPr>
+          <p:nvPr>
+            <p:ph type="subTitle" idx="1"/>
+          </p:nvPr>
+        </p:nvSpPr>
+        <p:spPr/>
+        <p:txBody>
+          <a:bodyPr/>
           <a:lstStyle/>
           <a:p>
             <a:r>
               <a:rPr lang="en-US" b="0" i="0" dirty="0">
+                <a:solidFill>
+                  <a:srgbClr val="1D1C1D"/>
+                </a:solidFill>
                 <a:effectLst/>
-                <a:latin typeface="Consolas" panose="020B0609020204030204" pitchFamily="49" charset="0"/>
+                <a:latin typeface="Slack-Lato"/>
               </a:rPr>
-              <a:t>SELECT </a:t>
-            </a:r>
-            <a:r>
-              <a:rPr lang="en-US" b="0" i="1" dirty="0">
+              <a:t>Word of the Day: </a:t>
+            </a:r>
+            <a:r>
+              <a:rPr lang="en-US" b="0" i="0" dirty="0" err="1">
+                <a:solidFill>
+                  <a:schemeClr val="tx1"/>
+                </a:solidFill>
                 <a:effectLst/>
-                <a:latin typeface="Consolas" panose="020B0609020204030204" pitchFamily="49" charset="0"/>
+                <a:latin typeface="Slack-Lato"/>
               </a:rPr>
-              <a:t>column1</a:t>
-            </a:r>
-            <a:r>
-              <a:rPr lang="en-US" b="0" i="0" dirty="0">
-                <a:effectLst/>
-                <a:latin typeface="Consolas" panose="020B0609020204030204" pitchFamily="49" charset="0"/>
-              </a:rPr>
-              <a:t>,</a:t>
-            </a:r>
-            <a:r>
-              <a:rPr lang="en-US" b="0" i="1" dirty="0">
-                <a:effectLst/>
-                <a:latin typeface="Consolas" panose="020B0609020204030204" pitchFamily="49" charset="0"/>
-              </a:rPr>
-              <a:t> column2, ...</a:t>
-            </a:r>
-            <a:br>
-              <a:rPr lang="en-US" dirty="0"/>
-            </a:br>
-            <a:r>
-              <a:rPr lang="en-US" b="0" i="0" dirty="0">
-                <a:effectLst/>
-                <a:latin typeface="Consolas" panose="020B0609020204030204" pitchFamily="49" charset="0"/>
-              </a:rPr>
-              <a:t>FROM </a:t>
-            </a:r>
-            <a:r>
-              <a:rPr lang="en-US" b="0" i="1" dirty="0" err="1">
-                <a:effectLst/>
-                <a:latin typeface="Consolas" panose="020B0609020204030204" pitchFamily="49" charset="0"/>
-              </a:rPr>
-              <a:t>table_name</a:t>
-            </a:r>
-            <a:r>
-              <a:rPr lang="en-US" b="0" i="0" dirty="0">
-                <a:effectLst/>
-                <a:latin typeface="Consolas" panose="020B0609020204030204" pitchFamily="49" charset="0"/>
-              </a:rPr>
-              <a:t>;</a:t>
-            </a:r>
-            <a:endParaRPr lang="en-US" dirty="0"/>
-          </a:p>
-        </p:txBody>
-      </p:sp>
-      <p:sp>
-        <p:nvSpPr>
-          <p:cNvPr id="9" name="TextBox 8">
-            <a:extLst>
-              <a:ext uri="{FF2B5EF4-FFF2-40B4-BE49-F238E27FC236}">
-                <a16:creationId xmlns:a16="http://schemas.microsoft.com/office/drawing/2014/main" id="{10EF0248-3BA3-43B5-96D6-72673B1C6B7E}"/>
-              </a:ext>
-            </a:extLst>
-          </p:cNvPr>
-          <p:cNvSpPr txBox="1"/>
-          <p:nvPr/>
-        </p:nvSpPr>
-        <p:spPr>
-          <a:xfrm>
-            <a:off x="633983" y="3397272"/>
-            <a:ext cx="6096000" cy="369332"/>
-          </a:xfrm>
-          <a:prstGeom prst="rect">
-            <a:avLst/>
-          </a:prstGeom>
-          <a:noFill/>
-        </p:spPr>
-        <p:txBody>
-          <a:bodyPr wrap="square">
-            <a:spAutoFit/>
-          </a:bodyPr>
-          <a:lstStyle/>
-          <a:p>
-            <a:r>
-              <a:rPr lang="en-US" b="0" i="0" dirty="0">
-                <a:effectLst/>
-                <a:latin typeface="Consolas" panose="020B0609020204030204" pitchFamily="49" charset="0"/>
-              </a:rPr>
-              <a:t>SELECT * FROM </a:t>
-            </a:r>
-            <a:r>
-              <a:rPr lang="en-US" b="0" i="1" dirty="0" err="1">
-                <a:effectLst/>
-                <a:latin typeface="Consolas" panose="020B0609020204030204" pitchFamily="49" charset="0"/>
-              </a:rPr>
-              <a:t>table_name</a:t>
-            </a:r>
-            <a:r>
-              <a:rPr lang="en-US" b="0" i="0" dirty="0">
-                <a:effectLst/>
-                <a:latin typeface="Consolas" panose="020B0609020204030204" pitchFamily="49" charset="0"/>
-              </a:rPr>
-              <a:t>;</a:t>
-            </a:r>
-            <a:endParaRPr lang="en-US" dirty="0"/>
-          </a:p>
-        </p:txBody>
-      </p:sp>
-      <p:sp>
-        <p:nvSpPr>
-          <p:cNvPr id="10" name="TextBox 9">
-            <a:extLst>
-              <a:ext uri="{FF2B5EF4-FFF2-40B4-BE49-F238E27FC236}">
-                <a16:creationId xmlns:a16="http://schemas.microsoft.com/office/drawing/2014/main" id="{8051CEBE-E5C4-4AE6-AEE6-3AD0CCDCC787}"/>
-              </a:ext>
-            </a:extLst>
-          </p:cNvPr>
-          <p:cNvSpPr txBox="1"/>
-          <p:nvPr/>
-        </p:nvSpPr>
-        <p:spPr>
-          <a:xfrm>
-            <a:off x="696738" y="4374424"/>
-            <a:ext cx="6096000" cy="369332"/>
-          </a:xfrm>
-          <a:prstGeom prst="rect">
-            <a:avLst/>
-          </a:prstGeom>
-          <a:noFill/>
-        </p:spPr>
-        <p:txBody>
-          <a:bodyPr wrap="square">
-            <a:spAutoFit/>
-          </a:bodyPr>
-          <a:lstStyle/>
-          <a:p>
-            <a:r>
-              <a:rPr lang="en-US" dirty="0">
-                <a:latin typeface="Consolas" panose="020B0609020204030204" pitchFamily="49" charset="0"/>
-              </a:rPr>
-              <a:t>Is this a DDL or DML command?</a:t>
-            </a:r>
-            <a:endParaRPr lang="en-US" dirty="0"/>
+              <a:t>SoftwareStar</a:t>
+            </a:r>
+            <a:endParaRPr lang="en-US" dirty="0">
+              <a:solidFill>
+                <a:schemeClr val="tx1"/>
+              </a:solidFill>
+            </a:endParaRPr>
           </a:p>
         </p:txBody>
       </p:sp>
     </p:spTree>
     <p:extLst>
       <p:ext uri="{BB962C8B-B14F-4D97-AF65-F5344CB8AC3E}">
-        <p14:creationId xmlns:p14="http://schemas.microsoft.com/office/powerpoint/2010/main" val="2344319795"/>
+        <p14:creationId xmlns:p14="http://schemas.microsoft.com/office/powerpoint/2010/main" val="3877287137"/>
       </p:ext>
     </p:extLst>
   </p:cSld>
@@ -6380,6 +6567,448 @@
           <p:cNvPr id="2" name="Title 1">
             <a:extLst>
               <a:ext uri="{FF2B5EF4-FFF2-40B4-BE49-F238E27FC236}">
+                <a16:creationId xmlns:a16="http://schemas.microsoft.com/office/drawing/2014/main" id="{C6F2DB36-C2ED-4820-8622-13A199BB19D1}"/>
+              </a:ext>
+            </a:extLst>
+          </p:cNvPr>
+          <p:cNvSpPr>
+            <a:spLocks noGrp="1"/>
+          </p:cNvSpPr>
+          <p:nvPr>
+            <p:ph type="title"/>
+          </p:nvPr>
+        </p:nvSpPr>
+        <p:spPr/>
+        <p:txBody>
+          <a:bodyPr/>
+          <a:lstStyle/>
+          <a:p>
+            <a:r>
+              <a:rPr lang="en-US" dirty="0"/>
+              <a:t>Intro to SQL </a:t>
+            </a:r>
+          </a:p>
+        </p:txBody>
+      </p:sp>
+      <p:sp>
+        <p:nvSpPr>
+          <p:cNvPr id="3" name="Content Placeholder 2">
+            <a:extLst>
+              <a:ext uri="{FF2B5EF4-FFF2-40B4-BE49-F238E27FC236}">
+                <a16:creationId xmlns:a16="http://schemas.microsoft.com/office/drawing/2014/main" id="{8D86A265-D6F7-4617-9C64-9B2AA30425B5}"/>
+              </a:ext>
+            </a:extLst>
+          </p:cNvPr>
+          <p:cNvSpPr>
+            <a:spLocks noGrp="1"/>
+          </p:cNvSpPr>
+          <p:nvPr>
+            <p:ph idx="1"/>
+          </p:nvPr>
+        </p:nvSpPr>
+        <p:spPr/>
+        <p:txBody>
+          <a:bodyPr/>
+          <a:lstStyle/>
+          <a:p>
+            <a:r>
+              <a:rPr lang="en-US" dirty="0">
+                <a:hlinkClick r:id="rId2"/>
+              </a:rPr>
+              <a:t>https://www.tutorialspoint.com/sql/sql-overview.htm</a:t>
+            </a:r>
+            <a:endParaRPr lang="en-US" dirty="0"/>
+          </a:p>
+          <a:p>
+            <a:r>
+              <a:rPr lang="en-US" dirty="0"/>
+              <a:t>Structured Query Language </a:t>
+            </a:r>
+          </a:p>
+          <a:p>
+            <a:r>
+              <a:rPr lang="en-US" dirty="0"/>
+              <a:t> We can define data AND manipulate data </a:t>
+            </a:r>
+          </a:p>
+        </p:txBody>
+      </p:sp>
+    </p:spTree>
+    <p:extLst>
+      <p:ext uri="{BB962C8B-B14F-4D97-AF65-F5344CB8AC3E}">
+        <p14:creationId xmlns:p14="http://schemas.microsoft.com/office/powerpoint/2010/main" val="2372214178"/>
+      </p:ext>
+    </p:extLst>
+  </p:cSld>
+  <p:clrMapOvr>
+    <a:masterClrMapping/>
+  </p:clrMapOvr>
+</p:sld>
+</file>
+
+<file path=ppt/slides/slide19.xml><?xml version="1.0" encoding="utf-8"?>
+<p:sld xmlns:a="http://schemas.openxmlformats.org/drawingml/2006/main" xmlns:r="http://schemas.openxmlformats.org/officeDocument/2006/relationships" xmlns:p="http://schemas.openxmlformats.org/presentationml/2006/main">
+  <p:cSld>
+    <p:spTree>
+      <p:nvGrpSpPr>
+        <p:cNvPr id="1" name=""/>
+        <p:cNvGrpSpPr/>
+        <p:nvPr/>
+      </p:nvGrpSpPr>
+      <p:grpSpPr>
+        <a:xfrm>
+          <a:off x="0" y="0"/>
+          <a:ext cx="0" cy="0"/>
+          <a:chOff x="0" y="0"/>
+          <a:chExt cx="0" cy="0"/>
+        </a:xfrm>
+      </p:grpSpPr>
+      <p:sp>
+        <p:nvSpPr>
+          <p:cNvPr id="2" name="Title 1">
+            <a:extLst>
+              <a:ext uri="{FF2B5EF4-FFF2-40B4-BE49-F238E27FC236}">
+                <a16:creationId xmlns:a16="http://schemas.microsoft.com/office/drawing/2014/main" id="{FF7C0FEF-86DB-43FF-A008-5DD91947CF76}"/>
+              </a:ext>
+            </a:extLst>
+          </p:cNvPr>
+          <p:cNvSpPr>
+            <a:spLocks noGrp="1"/>
+          </p:cNvSpPr>
+          <p:nvPr>
+            <p:ph type="title"/>
+          </p:nvPr>
+        </p:nvSpPr>
+        <p:spPr/>
+        <p:txBody>
+          <a:bodyPr/>
+          <a:lstStyle/>
+          <a:p>
+            <a:r>
+              <a:rPr lang="en-US" dirty="0"/>
+              <a:t>Select Statements</a:t>
+            </a:r>
+          </a:p>
+        </p:txBody>
+      </p:sp>
+      <p:sp>
+        <p:nvSpPr>
+          <p:cNvPr id="8" name="TextBox 7">
+            <a:extLst>
+              <a:ext uri="{FF2B5EF4-FFF2-40B4-BE49-F238E27FC236}">
+                <a16:creationId xmlns:a16="http://schemas.microsoft.com/office/drawing/2014/main" id="{3773097B-60D8-48DC-B9BF-75B0BDD42E77}"/>
+              </a:ext>
+            </a:extLst>
+          </p:cNvPr>
+          <p:cNvSpPr txBox="1"/>
+          <p:nvPr/>
+        </p:nvSpPr>
+        <p:spPr>
+          <a:xfrm>
+            <a:off x="633983" y="2283269"/>
+            <a:ext cx="6096000" cy="646331"/>
+          </a:xfrm>
+          <a:prstGeom prst="rect">
+            <a:avLst/>
+          </a:prstGeom>
+          <a:noFill/>
+        </p:spPr>
+        <p:txBody>
+          <a:bodyPr wrap="square">
+            <a:spAutoFit/>
+          </a:bodyPr>
+          <a:lstStyle/>
+          <a:p>
+            <a:r>
+              <a:rPr lang="en-US" b="0" i="0" dirty="0">
+                <a:effectLst/>
+                <a:latin typeface="Consolas" panose="020B0609020204030204" pitchFamily="49" charset="0"/>
+              </a:rPr>
+              <a:t>SELECT </a:t>
+            </a:r>
+            <a:r>
+              <a:rPr lang="en-US" b="0" i="1" dirty="0">
+                <a:effectLst/>
+                <a:latin typeface="Consolas" panose="020B0609020204030204" pitchFamily="49" charset="0"/>
+              </a:rPr>
+              <a:t>column1</a:t>
+            </a:r>
+            <a:r>
+              <a:rPr lang="en-US" b="0" i="0" dirty="0">
+                <a:effectLst/>
+                <a:latin typeface="Consolas" panose="020B0609020204030204" pitchFamily="49" charset="0"/>
+              </a:rPr>
+              <a:t>,</a:t>
+            </a:r>
+            <a:r>
+              <a:rPr lang="en-US" b="0" i="1" dirty="0">
+                <a:effectLst/>
+                <a:latin typeface="Consolas" panose="020B0609020204030204" pitchFamily="49" charset="0"/>
+              </a:rPr>
+              <a:t> column2, ...</a:t>
+            </a:r>
+            <a:br>
+              <a:rPr lang="en-US" dirty="0"/>
+            </a:br>
+            <a:r>
+              <a:rPr lang="en-US" b="0" i="0" dirty="0">
+                <a:effectLst/>
+                <a:latin typeface="Consolas" panose="020B0609020204030204" pitchFamily="49" charset="0"/>
+              </a:rPr>
+              <a:t>FROM </a:t>
+            </a:r>
+            <a:r>
+              <a:rPr lang="en-US" b="0" i="1" dirty="0" err="1">
+                <a:effectLst/>
+                <a:latin typeface="Consolas" panose="020B0609020204030204" pitchFamily="49" charset="0"/>
+              </a:rPr>
+              <a:t>table_name</a:t>
+            </a:r>
+            <a:r>
+              <a:rPr lang="en-US" b="0" i="0" dirty="0">
+                <a:effectLst/>
+                <a:latin typeface="Consolas" panose="020B0609020204030204" pitchFamily="49" charset="0"/>
+              </a:rPr>
+              <a:t>;</a:t>
+            </a:r>
+            <a:endParaRPr lang="en-US" dirty="0"/>
+          </a:p>
+        </p:txBody>
+      </p:sp>
+      <p:sp>
+        <p:nvSpPr>
+          <p:cNvPr id="9" name="TextBox 8">
+            <a:extLst>
+              <a:ext uri="{FF2B5EF4-FFF2-40B4-BE49-F238E27FC236}">
+                <a16:creationId xmlns:a16="http://schemas.microsoft.com/office/drawing/2014/main" id="{10EF0248-3BA3-43B5-96D6-72673B1C6B7E}"/>
+              </a:ext>
+            </a:extLst>
+          </p:cNvPr>
+          <p:cNvSpPr txBox="1"/>
+          <p:nvPr/>
+        </p:nvSpPr>
+        <p:spPr>
+          <a:xfrm>
+            <a:off x="633983" y="3397272"/>
+            <a:ext cx="6096000" cy="369332"/>
+          </a:xfrm>
+          <a:prstGeom prst="rect">
+            <a:avLst/>
+          </a:prstGeom>
+          <a:noFill/>
+        </p:spPr>
+        <p:txBody>
+          <a:bodyPr wrap="square">
+            <a:spAutoFit/>
+          </a:bodyPr>
+          <a:lstStyle/>
+          <a:p>
+            <a:r>
+              <a:rPr lang="en-US" b="0" i="0" dirty="0">
+                <a:effectLst/>
+                <a:latin typeface="Consolas" panose="020B0609020204030204" pitchFamily="49" charset="0"/>
+              </a:rPr>
+              <a:t>SELECT * FROM </a:t>
+            </a:r>
+            <a:r>
+              <a:rPr lang="en-US" b="0" i="1" dirty="0" err="1">
+                <a:effectLst/>
+                <a:latin typeface="Consolas" panose="020B0609020204030204" pitchFamily="49" charset="0"/>
+              </a:rPr>
+              <a:t>table_name</a:t>
+            </a:r>
+            <a:r>
+              <a:rPr lang="en-US" b="0" i="0" dirty="0">
+                <a:effectLst/>
+                <a:latin typeface="Consolas" panose="020B0609020204030204" pitchFamily="49" charset="0"/>
+              </a:rPr>
+              <a:t>;</a:t>
+            </a:r>
+            <a:endParaRPr lang="en-US" dirty="0"/>
+          </a:p>
+        </p:txBody>
+      </p:sp>
+      <p:sp>
+        <p:nvSpPr>
+          <p:cNvPr id="10" name="TextBox 9">
+            <a:extLst>
+              <a:ext uri="{FF2B5EF4-FFF2-40B4-BE49-F238E27FC236}">
+                <a16:creationId xmlns:a16="http://schemas.microsoft.com/office/drawing/2014/main" id="{8051CEBE-E5C4-4AE6-AEE6-3AD0CCDCC787}"/>
+              </a:ext>
+            </a:extLst>
+          </p:cNvPr>
+          <p:cNvSpPr txBox="1"/>
+          <p:nvPr/>
+        </p:nvSpPr>
+        <p:spPr>
+          <a:xfrm>
+            <a:off x="696738" y="4374424"/>
+            <a:ext cx="6096000" cy="369332"/>
+          </a:xfrm>
+          <a:prstGeom prst="rect">
+            <a:avLst/>
+          </a:prstGeom>
+          <a:noFill/>
+        </p:spPr>
+        <p:txBody>
+          <a:bodyPr wrap="square">
+            <a:spAutoFit/>
+          </a:bodyPr>
+          <a:lstStyle/>
+          <a:p>
+            <a:r>
+              <a:rPr lang="en-US" dirty="0">
+                <a:latin typeface="Consolas" panose="020B0609020204030204" pitchFamily="49" charset="0"/>
+              </a:rPr>
+              <a:t>Is this a DDL or DML command?</a:t>
+            </a:r>
+            <a:endParaRPr lang="en-US" dirty="0"/>
+          </a:p>
+        </p:txBody>
+      </p:sp>
+    </p:spTree>
+    <p:extLst>
+      <p:ext uri="{BB962C8B-B14F-4D97-AF65-F5344CB8AC3E}">
+        <p14:creationId xmlns:p14="http://schemas.microsoft.com/office/powerpoint/2010/main" val="2344319795"/>
+      </p:ext>
+    </p:extLst>
+  </p:cSld>
+  <p:clrMapOvr>
+    <a:masterClrMapping/>
+  </p:clrMapOvr>
+</p:sld>
+</file>
+
+<file path=ppt/slides/slide2.xml><?xml version="1.0" encoding="utf-8"?>
+<p:sld xmlns:a="http://schemas.openxmlformats.org/drawingml/2006/main" xmlns:r="http://schemas.openxmlformats.org/officeDocument/2006/relationships" xmlns:p="http://schemas.openxmlformats.org/presentationml/2006/main">
+  <p:cSld>
+    <p:spTree>
+      <p:nvGrpSpPr>
+        <p:cNvPr id="1" name=""/>
+        <p:cNvGrpSpPr/>
+        <p:nvPr/>
+      </p:nvGrpSpPr>
+      <p:grpSpPr>
+        <a:xfrm>
+          <a:off x="0" y="0"/>
+          <a:ext cx="0" cy="0"/>
+          <a:chOff x="0" y="0"/>
+          <a:chExt cx="0" cy="0"/>
+        </a:xfrm>
+      </p:grpSpPr>
+      <p:sp>
+        <p:nvSpPr>
+          <p:cNvPr id="2" name="Title 1">
+            <a:extLst>
+              <a:ext uri="{FF2B5EF4-FFF2-40B4-BE49-F238E27FC236}">
+                <a16:creationId xmlns:a16="http://schemas.microsoft.com/office/drawing/2014/main" id="{05D6C5DD-629A-487F-A7F5-924593CD7E48}"/>
+              </a:ext>
+            </a:extLst>
+          </p:cNvPr>
+          <p:cNvSpPr>
+            <a:spLocks noGrp="1"/>
+          </p:cNvSpPr>
+          <p:nvPr>
+            <p:ph type="title"/>
+          </p:nvPr>
+        </p:nvSpPr>
+        <p:spPr/>
+        <p:txBody>
+          <a:bodyPr/>
+          <a:lstStyle/>
+          <a:p>
+            <a:r>
+              <a:rPr lang="en-US" dirty="0"/>
+              <a:t>Warm-up	(10 minutes)</a:t>
+            </a:r>
+          </a:p>
+        </p:txBody>
+      </p:sp>
+      <p:sp>
+        <p:nvSpPr>
+          <p:cNvPr id="3" name="Content Placeholder 2">
+            <a:extLst>
+              <a:ext uri="{FF2B5EF4-FFF2-40B4-BE49-F238E27FC236}">
+                <a16:creationId xmlns:a16="http://schemas.microsoft.com/office/drawing/2014/main" id="{25D9BA3D-E1A8-448E-8CE9-5E85A7B8C4E1}"/>
+              </a:ext>
+            </a:extLst>
+          </p:cNvPr>
+          <p:cNvSpPr>
+            <a:spLocks noGrp="1"/>
+          </p:cNvSpPr>
+          <p:nvPr>
+            <p:ph idx="1"/>
+          </p:nvPr>
+        </p:nvSpPr>
+        <p:spPr>
+          <a:xfrm>
+            <a:off x="1261872" y="1717130"/>
+            <a:ext cx="8595360" cy="4351337"/>
+          </a:xfrm>
+        </p:spPr>
+        <p:txBody>
+          <a:bodyPr/>
+          <a:lstStyle/>
+          <a:p>
+            <a:r>
+              <a:rPr lang="en-US" dirty="0"/>
+              <a:t>Open the intro to data viz notebook from last week and make the graphs look better (add labels, </a:t>
+            </a:r>
+            <a:r>
+              <a:rPr lang="en-US" dirty="0" err="1"/>
+              <a:t>etc</a:t>
+            </a:r>
+            <a:r>
+              <a:rPr lang="en-US" dirty="0"/>
+              <a:t>)!</a:t>
+            </a:r>
+          </a:p>
+          <a:p>
+            <a:endParaRPr lang="en-US" dirty="0"/>
+          </a:p>
+          <a:p>
+            <a:r>
+              <a:rPr lang="en-US" dirty="0"/>
+              <a:t>If you don’t have time to make them all look great, that’s fine! Focus instead on making one really good. </a:t>
+            </a:r>
+          </a:p>
+        </p:txBody>
+      </p:sp>
+    </p:spTree>
+    <p:extLst>
+      <p:ext uri="{BB962C8B-B14F-4D97-AF65-F5344CB8AC3E}">
+        <p14:creationId xmlns:p14="http://schemas.microsoft.com/office/powerpoint/2010/main" val="188562136"/>
+      </p:ext>
+    </p:extLst>
+  </p:cSld>
+  <p:clrMapOvr>
+    <a:masterClrMapping/>
+  </p:clrMapOvr>
+</p:sld>
+</file>
+
+<file path=ppt/slides/slide20.xml><?xml version="1.0" encoding="utf-8"?>
+<p:sld xmlns:a="http://schemas.openxmlformats.org/drawingml/2006/main" xmlns:r="http://schemas.openxmlformats.org/officeDocument/2006/relationships" xmlns:p="http://schemas.openxmlformats.org/presentationml/2006/main">
+  <p:cSld>
+    <p:spTree>
+      <p:nvGrpSpPr>
+        <p:cNvPr id="1" name=""/>
+        <p:cNvGrpSpPr/>
+        <p:nvPr/>
+      </p:nvGrpSpPr>
+      <p:grpSpPr>
+        <a:xfrm>
+          <a:off x="0" y="0"/>
+          <a:ext cx="0" cy="0"/>
+          <a:chOff x="0" y="0"/>
+          <a:chExt cx="0" cy="0"/>
+        </a:xfrm>
+      </p:grpSpPr>
+      <p:sp>
+        <p:nvSpPr>
+          <p:cNvPr id="2" name="Title 1">
+            <a:extLst>
+              <a:ext uri="{FF2B5EF4-FFF2-40B4-BE49-F238E27FC236}">
                 <a16:creationId xmlns:a16="http://schemas.microsoft.com/office/drawing/2014/main" id="{C105550D-72FA-46F0-9B1A-C6DAFC08B67C}"/>
               </a:ext>
             </a:extLst>
@@ -6637,7 +7266,7 @@
 </p:sld>
 </file>
 
-<file path=ppt/slides/slide19.xml><?xml version="1.0" encoding="utf-8"?>
+<file path=ppt/slides/slide21.xml><?xml version="1.0" encoding="utf-8"?>
 <p:sld xmlns:a="http://schemas.openxmlformats.org/drawingml/2006/main" xmlns:r="http://schemas.openxmlformats.org/officeDocument/2006/relationships" xmlns:p="http://schemas.openxmlformats.org/presentationml/2006/main">
   <p:cSld>
     <p:spTree>
@@ -7130,7 +7759,7 @@
 </p:sld>
 </file>
 
-<file path=ppt/slides/slide2.xml><?xml version="1.0" encoding="utf-8"?>
+<file path=ppt/slides/slide22.xml><?xml version="1.0" encoding="utf-8"?>
 <p:sld xmlns:a="http://schemas.openxmlformats.org/drawingml/2006/main" xmlns:r="http://schemas.openxmlformats.org/officeDocument/2006/relationships" xmlns:p="http://schemas.openxmlformats.org/presentationml/2006/main">
   <p:cSld>
     <p:spTree>
@@ -7149,10 +7778,10 @@
       </p:grpSpPr>
       <p:sp>
         <p:nvSpPr>
-          <p:cNvPr id="2" name="Title 1">
+          <p:cNvPr id="4" name="Title 3">
             <a:extLst>
               <a:ext uri="{FF2B5EF4-FFF2-40B4-BE49-F238E27FC236}">
-                <a16:creationId xmlns:a16="http://schemas.microsoft.com/office/drawing/2014/main" id="{05D6C5DD-629A-487F-A7F5-924593CD7E48}"/>
+                <a16:creationId xmlns:a16="http://schemas.microsoft.com/office/drawing/2014/main" id="{24B5F09A-59F2-4C38-9C7C-21EF2E31E4AB}"/>
               </a:ext>
             </a:extLst>
           </p:cNvPr>
@@ -7160,7 +7789,7 @@
             <a:spLocks noGrp="1"/>
           </p:cNvSpPr>
           <p:nvPr>
-            <p:ph type="title"/>
+            <p:ph type="ctrTitle"/>
           </p:nvPr>
         </p:nvSpPr>
         <p:spPr/>
@@ -7170,17 +7799,17 @@
           <a:p>
             <a:r>
               <a:rPr lang="en-US" dirty="0"/>
-              <a:t>Warm-up	(10 minutes)</a:t>
-            </a:r>
-          </a:p>
-        </p:txBody>
-      </p:sp>
-      <p:sp>
-        <p:nvSpPr>
-          <p:cNvPr id="3" name="Content Placeholder 2">
+              <a:t>Data Model</a:t>
+            </a:r>
+          </a:p>
+        </p:txBody>
+      </p:sp>
+      <p:sp>
+        <p:nvSpPr>
+          <p:cNvPr id="5" name="Subtitle 4">
             <a:extLst>
               <a:ext uri="{FF2B5EF4-FFF2-40B4-BE49-F238E27FC236}">
-                <a16:creationId xmlns:a16="http://schemas.microsoft.com/office/drawing/2014/main" id="{25D9BA3D-E1A8-448E-8CE9-5E85A7B8C4E1}"/>
+                <a16:creationId xmlns:a16="http://schemas.microsoft.com/office/drawing/2014/main" id="{829D3764-F9BE-4B94-9899-922D76A5B04E}"/>
               </a:ext>
             </a:extLst>
           </p:cNvPr>
@@ -7188,38 +7817,22 @@
             <a:spLocks noGrp="1"/>
           </p:cNvSpPr>
           <p:nvPr>
-            <p:ph idx="1"/>
-          </p:nvPr>
-        </p:nvSpPr>
-        <p:spPr>
-          <a:xfrm>
-            <a:off x="1261872" y="1717130"/>
-            <a:ext cx="8595360" cy="4351337"/>
-          </a:xfrm>
-        </p:spPr>
+            <p:ph type="subTitle" idx="1"/>
+          </p:nvPr>
+        </p:nvSpPr>
+        <p:spPr/>
         <p:txBody>
           <a:bodyPr/>
           <a:lstStyle/>
           <a:p>
-            <a:r>
-              <a:rPr lang="en-US" dirty="0"/>
-              <a:t>Open the intro to data viz notebook from last week and make the graphs look better (add labels, </a:t>
-            </a:r>
-            <a:r>
-              <a:rPr lang="en-US" dirty="0" err="1"/>
-              <a:t>etc</a:t>
-            </a:r>
-            <a:r>
-              <a:rPr lang="en-US" dirty="0"/>
-              <a:t>)!</a:t>
-            </a:r>
+            <a:endParaRPr lang="en-US"/>
           </a:p>
         </p:txBody>
       </p:sp>
     </p:spTree>
     <p:extLst>
       <p:ext uri="{BB962C8B-B14F-4D97-AF65-F5344CB8AC3E}">
-        <p14:creationId xmlns:p14="http://schemas.microsoft.com/office/powerpoint/2010/main" val="188562136"/>
+        <p14:creationId xmlns:p14="http://schemas.microsoft.com/office/powerpoint/2010/main" val="51383002"/>
       </p:ext>
     </p:extLst>
   </p:cSld>
@@ -7229,7 +7842,7 @@
 </p:sld>
 </file>
 
-<file path=ppt/slides/slide20.xml><?xml version="1.0" encoding="utf-8"?>
+<file path=ppt/slides/slide23.xml><?xml version="1.0" encoding="utf-8"?>
 <p:sld xmlns:a="http://schemas.openxmlformats.org/drawingml/2006/main" xmlns:r="http://schemas.openxmlformats.org/officeDocument/2006/relationships" xmlns:p="http://schemas.openxmlformats.org/presentationml/2006/main">
   <p:cSld>
     <p:spTree>
@@ -7248,89 +7861,6 @@
       </p:grpSpPr>
       <p:sp>
         <p:nvSpPr>
-          <p:cNvPr id="4" name="Title 3">
-            <a:extLst>
-              <a:ext uri="{FF2B5EF4-FFF2-40B4-BE49-F238E27FC236}">
-                <a16:creationId xmlns:a16="http://schemas.microsoft.com/office/drawing/2014/main" id="{24B5F09A-59F2-4C38-9C7C-21EF2E31E4AB}"/>
-              </a:ext>
-            </a:extLst>
-          </p:cNvPr>
-          <p:cNvSpPr>
-            <a:spLocks noGrp="1"/>
-          </p:cNvSpPr>
-          <p:nvPr>
-            <p:ph type="ctrTitle"/>
-          </p:nvPr>
-        </p:nvSpPr>
-        <p:spPr/>
-        <p:txBody>
-          <a:bodyPr/>
-          <a:lstStyle/>
-          <a:p>
-            <a:r>
-              <a:rPr lang="en-US" dirty="0"/>
-              <a:t>Data Model</a:t>
-            </a:r>
-          </a:p>
-        </p:txBody>
-      </p:sp>
-      <p:sp>
-        <p:nvSpPr>
-          <p:cNvPr id="5" name="Subtitle 4">
-            <a:extLst>
-              <a:ext uri="{FF2B5EF4-FFF2-40B4-BE49-F238E27FC236}">
-                <a16:creationId xmlns:a16="http://schemas.microsoft.com/office/drawing/2014/main" id="{829D3764-F9BE-4B94-9899-922D76A5B04E}"/>
-              </a:ext>
-            </a:extLst>
-          </p:cNvPr>
-          <p:cNvSpPr>
-            <a:spLocks noGrp="1"/>
-          </p:cNvSpPr>
-          <p:nvPr>
-            <p:ph type="subTitle" idx="1"/>
-          </p:nvPr>
-        </p:nvSpPr>
-        <p:spPr/>
-        <p:txBody>
-          <a:bodyPr/>
-          <a:lstStyle/>
-          <a:p>
-            <a:endParaRPr lang="en-US"/>
-          </a:p>
-        </p:txBody>
-      </p:sp>
-    </p:spTree>
-    <p:extLst>
-      <p:ext uri="{BB962C8B-B14F-4D97-AF65-F5344CB8AC3E}">
-        <p14:creationId xmlns:p14="http://schemas.microsoft.com/office/powerpoint/2010/main" val="51383002"/>
-      </p:ext>
-    </p:extLst>
-  </p:cSld>
-  <p:clrMapOvr>
-    <a:masterClrMapping/>
-  </p:clrMapOvr>
-</p:sld>
-</file>
-
-<file path=ppt/slides/slide21.xml><?xml version="1.0" encoding="utf-8"?>
-<p:sld xmlns:a="http://schemas.openxmlformats.org/drawingml/2006/main" xmlns:r="http://schemas.openxmlformats.org/officeDocument/2006/relationships" xmlns:p="http://schemas.openxmlformats.org/presentationml/2006/main">
-  <p:cSld>
-    <p:spTree>
-      <p:nvGrpSpPr>
-        <p:cNvPr id="1" name=""/>
-        <p:cNvGrpSpPr/>
-        <p:nvPr/>
-      </p:nvGrpSpPr>
-      <p:grpSpPr>
-        <a:xfrm>
-          <a:off x="0" y="0"/>
-          <a:ext cx="0" cy="0"/>
-          <a:chOff x="0" y="0"/>
-          <a:chExt cx="0" cy="0"/>
-        </a:xfrm>
-      </p:grpSpPr>
-      <p:sp>
-        <p:nvSpPr>
           <p:cNvPr id="2" name="Title 1">
             <a:extLst>
               <a:ext uri="{FF2B5EF4-FFF2-40B4-BE49-F238E27FC236}">
@@ -7413,7 +7943,7 @@
 </p:sld>
 </file>
 
-<file path=ppt/slides/slide22.xml><?xml version="1.0" encoding="utf-8"?>
+<file path=ppt/slides/slide24.xml><?xml version="1.0" encoding="utf-8"?>
 <p:sld xmlns:a="http://schemas.openxmlformats.org/drawingml/2006/main" xmlns:r="http://schemas.openxmlformats.org/officeDocument/2006/relationships" xmlns:p="http://schemas.openxmlformats.org/presentationml/2006/main">
   <p:cSld>
     <p:spTree>
@@ -7730,21 +8260,53 @@
           <a:p>
             <a:r>
               <a:rPr lang="en-US" dirty="0"/>
-              <a:t>You must have turned in at least 5 of the first 6 assignments by April 14</a:t>
-            </a:r>
-            <a:r>
-              <a:rPr lang="en-US" baseline="30000" dirty="0"/>
-              <a:t>th</a:t>
-            </a:r>
-            <a:r>
-              <a:rPr lang="en-US" dirty="0"/>
-              <a:t> to continue in this course!</a:t>
-            </a:r>
-          </a:p>
-          <a:p>
-            <a:r>
-              <a:rPr lang="en-US" dirty="0"/>
-              <a:t>You need to have an average of 70% or above on those assignments.</a:t>
+              <a:t>You must have turned in at least 4 of the first 5 assignments by today to continue in this course!</a:t>
+            </a:r>
+          </a:p>
+          <a:p>
+            <a:r>
+              <a:rPr lang="en-US" dirty="0"/>
+              <a:t>You need to have 70% or above on those assignments.</a:t>
+            </a:r>
+          </a:p>
+          <a:p>
+            <a:r>
+              <a:rPr lang="en-US" dirty="0"/>
+              <a:t>Going forward you must ALSO have an average of 70% or higher on your in-class activities at each checkpoint (next one in 6 weeks). Not completing an in-class activity will count as a 0. </a:t>
+            </a:r>
+          </a:p>
+          <a:p>
+            <a:r>
+              <a:rPr lang="en-US" dirty="0"/>
+              <a:t>I will NOT be grading in-class activities that are more than a week late. </a:t>
+            </a:r>
+          </a:p>
+          <a:p>
+            <a:r>
+              <a:rPr lang="en-US" dirty="0"/>
+              <a:t>If your homework is more than two days late (after Friday) you will now begin to lose points (1 </a:t>
+            </a:r>
+            <a:r>
+              <a:rPr lang="en-US" dirty="0" err="1"/>
+              <a:t>pt</a:t>
+            </a:r>
+            <a:r>
+              <a:rPr lang="en-US" dirty="0"/>
+              <a:t> a day) </a:t>
+            </a:r>
+          </a:p>
+          <a:p>
+            <a:r>
+              <a:rPr lang="en-US" dirty="0"/>
+              <a:t>Make sure you are completing the </a:t>
+            </a:r>
+            <a:r>
+              <a:rPr lang="en-US" dirty="0" err="1"/>
+              <a:t>DataCamp</a:t>
+            </a:r>
+            <a:r>
+              <a:rPr lang="en-US" dirty="0"/>
+              <a:t> and including screenshots of your completed exercises when required.</a:t>
             </a:r>
           </a:p>
         </p:txBody>
@@ -7765,6 +8327,14 @@
 <file path=ppt/slides/slide5.xml><?xml version="1.0" encoding="utf-8"?>
 <p:sld xmlns:a="http://schemas.openxmlformats.org/drawingml/2006/main" xmlns:r="http://schemas.openxmlformats.org/officeDocument/2006/relationships" xmlns:p="http://schemas.openxmlformats.org/presentationml/2006/main">
   <p:cSld>
+    <p:bg>
+      <p:bgPr>
+        <a:solidFill>
+          <a:schemeClr val="bg1"/>
+        </a:solidFill>
+        <a:effectLst/>
+      </p:bgPr>
+    </p:bg>
     <p:spTree>
       <p:nvGrpSpPr>
         <p:cNvPr id="1" name=""/>
@@ -7781,10 +8351,120 @@
       </p:grpSpPr>
       <p:sp>
         <p:nvSpPr>
+          <p:cNvPr id="9" name="Rectangle 8">
+            <a:extLst>
+              <a:ext uri="{FF2B5EF4-FFF2-40B4-BE49-F238E27FC236}">
+                <a16:creationId xmlns:a16="http://schemas.microsoft.com/office/drawing/2014/main" id="{F4ADA65C-BA4C-42BE-84D1-1AF286B7F967}"/>
+              </a:ext>
+              <a:ext uri="{C183D7F6-B498-43B3-948B-1728B52AA6E4}">
+                <adec:decorative xmlns:adec="http://schemas.microsoft.com/office/drawing/2017/decorative" val="1"/>
+              </a:ext>
+            </a:extLst>
+          </p:cNvPr>
+          <p:cNvSpPr>
+            <a:spLocks noGrp="1" noRot="1" noChangeAspect="1" noMove="1" noResize="1" noEditPoints="1" noAdjustHandles="1" noChangeArrowheads="1" noChangeShapeType="1" noTextEdit="1"/>
+          </p:cNvSpPr>
+          <p:nvPr>
+            <p:extLst>
+              <p:ext uri="{386F3935-93C4-4BCD-93E2-E3B085C9AB24}">
+                <p16:designElem xmlns:p16="http://schemas.microsoft.com/office/powerpoint/2015/main" val="1"/>
+              </p:ext>
+            </p:extLst>
+          </p:nvPr>
+        </p:nvSpPr>
+        <p:spPr>
+          <a:xfrm>
+            <a:off x="11292840" y="0"/>
+            <a:ext cx="914400" cy="6858000"/>
+          </a:xfrm>
+          <a:prstGeom prst="rect">
+            <a:avLst/>
+          </a:prstGeom>
+          <a:solidFill>
+            <a:srgbClr val="303030"/>
+          </a:solidFill>
+          <a:ln>
+            <a:noFill/>
+          </a:ln>
+        </p:spPr>
+        <p:style>
+          <a:lnRef idx="2">
+            <a:schemeClr val="accent1">
+              <a:shade val="50000"/>
+            </a:schemeClr>
+          </a:lnRef>
+          <a:fillRef idx="1">
+            <a:schemeClr val="accent1"/>
+          </a:fillRef>
+          <a:effectRef idx="0">
+            <a:schemeClr val="accent1"/>
+          </a:effectRef>
+          <a:fontRef idx="minor">
+            <a:schemeClr val="lt1"/>
+          </a:fontRef>
+        </p:style>
+      </p:sp>
+      <p:sp>
+        <p:nvSpPr>
+          <p:cNvPr id="11" name="Rectangle 10">
+            <a:extLst>
+              <a:ext uri="{FF2B5EF4-FFF2-40B4-BE49-F238E27FC236}">
+                <a16:creationId xmlns:a16="http://schemas.microsoft.com/office/drawing/2014/main" id="{C42F5EBA-F777-4A1C-8E30-62DA7F55AE24}"/>
+              </a:ext>
+              <a:ext uri="{C183D7F6-B498-43B3-948B-1728B52AA6E4}">
+                <adec:decorative xmlns:adec="http://schemas.microsoft.com/office/drawing/2017/decorative" val="1"/>
+              </a:ext>
+            </a:extLst>
+          </p:cNvPr>
+          <p:cNvSpPr>
+            <a:spLocks noGrp="1" noRot="1" noChangeAspect="1" noMove="1" noResize="1" noEditPoints="1" noAdjustHandles="1" noChangeArrowheads="1" noChangeShapeType="1" noTextEdit="1"/>
+          </p:cNvSpPr>
+          <p:nvPr>
+            <p:extLst>
+              <p:ext uri="{386F3935-93C4-4BCD-93E2-E3B085C9AB24}">
+                <p16:designElem xmlns:p16="http://schemas.microsoft.com/office/powerpoint/2015/main" val="1"/>
+              </p:ext>
+            </p:extLst>
+          </p:nvPr>
+        </p:nvSpPr>
+        <p:spPr>
+          <a:xfrm>
+            <a:off x="0" y="0"/>
+            <a:ext cx="457200" cy="6858000"/>
+          </a:xfrm>
+          <a:prstGeom prst="rect">
+            <a:avLst/>
+          </a:prstGeom>
+          <a:solidFill>
+            <a:srgbClr val="303030"/>
+          </a:solidFill>
+          <a:ln>
+            <a:noFill/>
+          </a:ln>
+        </p:spPr>
+        <p:style>
+          <a:lnRef idx="2">
+            <a:schemeClr val="accent1">
+              <a:shade val="50000"/>
+            </a:schemeClr>
+          </a:lnRef>
+          <a:fillRef idx="1">
+            <a:schemeClr val="accent1"/>
+          </a:fillRef>
+          <a:effectRef idx="0">
+            <a:schemeClr val="accent1"/>
+          </a:effectRef>
+          <a:fontRef idx="minor">
+            <a:schemeClr val="lt1"/>
+          </a:fontRef>
+        </p:style>
+      </p:sp>
+      <p:sp>
+        <p:nvSpPr>
           <p:cNvPr id="2" name="Title 1">
             <a:extLst>
               <a:ext uri="{FF2B5EF4-FFF2-40B4-BE49-F238E27FC236}">
-                <a16:creationId xmlns:a16="http://schemas.microsoft.com/office/drawing/2014/main" id="{BE3D1A1B-D13D-4D77-8B55-4A6A706538CD}"/>
+                <a16:creationId xmlns:a16="http://schemas.microsoft.com/office/drawing/2014/main" id="{ED77C866-88EB-4400-9F3D-20EE57925126}"/>
               </a:ext>
             </a:extLst>
           </p:cNvPr>
@@ -7797,72 +8477,61 @@
         </p:nvSpPr>
         <p:spPr>
           <a:xfrm>
-            <a:off x="953647" y="-550352"/>
-            <a:ext cx="9692640" cy="1325562"/>
+            <a:off x="8180438" y="758952"/>
+            <a:ext cx="2853005" cy="4041648"/>
           </a:xfrm>
         </p:spPr>
         <p:txBody>
-          <a:bodyPr/>
+          <a:bodyPr vert="horz" lIns="91440" tIns="45720" rIns="91440" bIns="45720" rtlCol="0" anchor="b">
+            <a:normAutofit/>
+          </a:bodyPr>
           <a:lstStyle/>
           <a:p>
-            <a:r>
-              <a:rPr lang="en-US" dirty="0"/>
-              <a:t>Homework Answers (30 mins)</a:t>
-            </a:r>
-          </a:p>
-        </p:txBody>
-      </p:sp>
-      <p:sp>
-        <p:nvSpPr>
-          <p:cNvPr id="3" name="Content Placeholder 2">
+            <a:pPr>
+              <a:lnSpc>
+                <a:spcPct val="85000"/>
+              </a:lnSpc>
+            </a:pPr>
+            <a:r>
+              <a:rPr lang="en-US" sz="3800" dirty="0"/>
+              <a:t>Some of you are really on top of stuff. What are your secrets? </a:t>
+            </a:r>
+          </a:p>
+        </p:txBody>
+      </p:sp>
+      <p:pic>
+        <p:nvPicPr>
+          <p:cNvPr id="5" name="Picture 4" descr="Telescope at top of the Eiffel Tower looking down out at the city">
             <a:extLst>
               <a:ext uri="{FF2B5EF4-FFF2-40B4-BE49-F238E27FC236}">
-                <a16:creationId xmlns:a16="http://schemas.microsoft.com/office/drawing/2014/main" id="{1C31657E-A052-466D-9218-FD671392B5A7}"/>
+                <a16:creationId xmlns:a16="http://schemas.microsoft.com/office/drawing/2014/main" id="{AA44E8C8-58F4-4EAF-8788-BF77E4989FE0}"/>
               </a:ext>
             </a:extLst>
           </p:cNvPr>
-          <p:cNvSpPr>
-            <a:spLocks noGrp="1"/>
-          </p:cNvSpPr>
-          <p:nvPr>
-            <p:ph idx="1"/>
-          </p:nvPr>
-        </p:nvSpPr>
+          <p:cNvPicPr>
+            <a:picLocks noChangeAspect="1"/>
+          </p:cNvPicPr>
+          <p:nvPr/>
+        </p:nvPicPr>
+        <p:blipFill rotWithShape="1">
+          <a:blip r:embed="rId2"/>
+          <a:srcRect l="24014" r="4883" b="-1"/>
+          <a:stretch/>
+        </p:blipFill>
         <p:spPr>
           <a:xfrm>
-            <a:off x="1210501" y="1503452"/>
-            <a:ext cx="8595360" cy="4351337"/>
+            <a:off x="442453" y="10"/>
+            <a:ext cx="7118554" cy="6857990"/>
           </a:xfrm>
+          <a:prstGeom prst="rect">
+            <a:avLst/>
+          </a:prstGeom>
         </p:spPr>
-        <p:txBody>
-          <a:bodyPr vert="horz" lIns="91440" tIns="45720" rIns="91440" bIns="45720" rtlCol="0" anchor="t">
-            <a:normAutofit/>
-          </a:bodyPr>
-          <a:lstStyle/>
-          <a:p>
-            <a:r>
-              <a:rPr lang="en-US" dirty="0"/>
-              <a:t>To save some time I will discuss a subset of answers.</a:t>
-            </a:r>
-          </a:p>
-          <a:p>
-            <a:r>
-              <a:rPr lang="en-US" dirty="0"/>
-              <a:t>Voluntarily slack answers to the #datascience channel</a:t>
-            </a:r>
-          </a:p>
-          <a:p>
-            <a:r>
-              <a:rPr lang="en-US" dirty="0"/>
-              <a:t>Don't be shy!</a:t>
-            </a:r>
-          </a:p>
-        </p:txBody>
-      </p:sp>
+      </p:pic>
     </p:spTree>
     <p:extLst>
       <p:ext uri="{BB962C8B-B14F-4D97-AF65-F5344CB8AC3E}">
-        <p14:creationId xmlns:p14="http://schemas.microsoft.com/office/powerpoint/2010/main" val="2679292092"/>
+        <p14:creationId xmlns:p14="http://schemas.microsoft.com/office/powerpoint/2010/main" val="1604118050"/>
       </p:ext>
     </p:extLst>
   </p:cSld>
@@ -7894,6 +8563,208 @@
           <p:cNvPr id="2" name="Title 1">
             <a:extLst>
               <a:ext uri="{FF2B5EF4-FFF2-40B4-BE49-F238E27FC236}">
+                <a16:creationId xmlns:a16="http://schemas.microsoft.com/office/drawing/2014/main" id="{70FA8C96-A23A-485D-9610-3429D4E13003}"/>
+              </a:ext>
+            </a:extLst>
+          </p:cNvPr>
+          <p:cNvSpPr>
+            <a:spLocks noGrp="1"/>
+          </p:cNvSpPr>
+          <p:nvPr>
+            <p:ph type="title"/>
+          </p:nvPr>
+        </p:nvSpPr>
+        <p:spPr/>
+        <p:txBody>
+          <a:bodyPr/>
+          <a:lstStyle/>
+          <a:p>
+            <a:r>
+              <a:rPr lang="en-US" dirty="0"/>
+              <a:t>Homework Clarity	</a:t>
+            </a:r>
+          </a:p>
+        </p:txBody>
+      </p:sp>
+      <p:sp>
+        <p:nvSpPr>
+          <p:cNvPr id="3" name="Content Placeholder 2">
+            <a:extLst>
+              <a:ext uri="{FF2B5EF4-FFF2-40B4-BE49-F238E27FC236}">
+                <a16:creationId xmlns:a16="http://schemas.microsoft.com/office/drawing/2014/main" id="{E2071D84-2E2B-4E91-B0FA-EC9A170D228E}"/>
+              </a:ext>
+            </a:extLst>
+          </p:cNvPr>
+          <p:cNvSpPr>
+            <a:spLocks noGrp="1"/>
+          </p:cNvSpPr>
+          <p:nvPr>
+            <p:ph idx="1"/>
+          </p:nvPr>
+        </p:nvSpPr>
+        <p:spPr/>
+        <p:txBody>
+          <a:bodyPr/>
+          <a:lstStyle/>
+          <a:p>
+            <a:r>
+              <a:rPr lang="en-US" dirty="0"/>
+              <a:t>You need to make sure each question is marked clearly with the number of the question indicated. </a:t>
+            </a:r>
+          </a:p>
+          <a:p>
+            <a:r>
+              <a:rPr lang="en-US" dirty="0"/>
+              <a:t>If it is hard for us to grade your homework you will need to redo it.</a:t>
+            </a:r>
+          </a:p>
+        </p:txBody>
+      </p:sp>
+    </p:spTree>
+    <p:extLst>
+      <p:ext uri="{BB962C8B-B14F-4D97-AF65-F5344CB8AC3E}">
+        <p14:creationId xmlns:p14="http://schemas.microsoft.com/office/powerpoint/2010/main" val="3359723415"/>
+      </p:ext>
+    </p:extLst>
+  </p:cSld>
+  <p:clrMapOvr>
+    <a:masterClrMapping/>
+  </p:clrMapOvr>
+</p:sld>
+</file>
+
+<file path=ppt/slides/slide7.xml><?xml version="1.0" encoding="utf-8"?>
+<p:sld xmlns:a="http://schemas.openxmlformats.org/drawingml/2006/main" xmlns:r="http://schemas.openxmlformats.org/officeDocument/2006/relationships" xmlns:p="http://schemas.openxmlformats.org/presentationml/2006/main">
+  <p:cSld>
+    <p:spTree>
+      <p:nvGrpSpPr>
+        <p:cNvPr id="1" name=""/>
+        <p:cNvGrpSpPr/>
+        <p:nvPr/>
+      </p:nvGrpSpPr>
+      <p:grpSpPr>
+        <a:xfrm>
+          <a:off x="0" y="0"/>
+          <a:ext cx="0" cy="0"/>
+          <a:chOff x="0" y="0"/>
+          <a:chExt cx="0" cy="0"/>
+        </a:xfrm>
+      </p:grpSpPr>
+      <p:sp>
+        <p:nvSpPr>
+          <p:cNvPr id="2" name="Title 1">
+            <a:extLst>
+              <a:ext uri="{FF2B5EF4-FFF2-40B4-BE49-F238E27FC236}">
+                <a16:creationId xmlns:a16="http://schemas.microsoft.com/office/drawing/2014/main" id="{BE3D1A1B-D13D-4D77-8B55-4A6A706538CD}"/>
+              </a:ext>
+            </a:extLst>
+          </p:cNvPr>
+          <p:cNvSpPr>
+            <a:spLocks noGrp="1"/>
+          </p:cNvSpPr>
+          <p:nvPr>
+            <p:ph type="title"/>
+          </p:nvPr>
+        </p:nvSpPr>
+        <p:spPr>
+          <a:xfrm>
+            <a:off x="953647" y="-550352"/>
+            <a:ext cx="9692640" cy="1325562"/>
+          </a:xfrm>
+        </p:spPr>
+        <p:txBody>
+          <a:bodyPr/>
+          <a:lstStyle/>
+          <a:p>
+            <a:r>
+              <a:rPr lang="en-US" dirty="0"/>
+              <a:t>Homework Answers (30 mins)</a:t>
+            </a:r>
+          </a:p>
+        </p:txBody>
+      </p:sp>
+      <p:sp>
+        <p:nvSpPr>
+          <p:cNvPr id="3" name="Content Placeholder 2">
+            <a:extLst>
+              <a:ext uri="{FF2B5EF4-FFF2-40B4-BE49-F238E27FC236}">
+                <a16:creationId xmlns:a16="http://schemas.microsoft.com/office/drawing/2014/main" id="{1C31657E-A052-466D-9218-FD671392B5A7}"/>
+              </a:ext>
+            </a:extLst>
+          </p:cNvPr>
+          <p:cNvSpPr>
+            <a:spLocks noGrp="1"/>
+          </p:cNvSpPr>
+          <p:nvPr>
+            <p:ph idx="1"/>
+          </p:nvPr>
+        </p:nvSpPr>
+        <p:spPr>
+          <a:xfrm>
+            <a:off x="1210501" y="1503452"/>
+            <a:ext cx="8595360" cy="4351337"/>
+          </a:xfrm>
+        </p:spPr>
+        <p:txBody>
+          <a:bodyPr vert="horz" lIns="91440" tIns="45720" rIns="91440" bIns="45720" rtlCol="0" anchor="t">
+            <a:normAutofit/>
+          </a:bodyPr>
+          <a:lstStyle/>
+          <a:p>
+            <a:r>
+              <a:rPr lang="en-US" dirty="0"/>
+              <a:t>To save some time I will discuss a subset of answers.</a:t>
+            </a:r>
+          </a:p>
+          <a:p>
+            <a:r>
+              <a:rPr lang="en-US" dirty="0"/>
+              <a:t>Voluntarily slack answers to the #datascience channel</a:t>
+            </a:r>
+          </a:p>
+          <a:p>
+            <a:r>
+              <a:rPr lang="en-US" dirty="0"/>
+              <a:t>Don't be shy!</a:t>
+            </a:r>
+          </a:p>
+        </p:txBody>
+      </p:sp>
+    </p:spTree>
+    <p:extLst>
+      <p:ext uri="{BB962C8B-B14F-4D97-AF65-F5344CB8AC3E}">
+        <p14:creationId xmlns:p14="http://schemas.microsoft.com/office/powerpoint/2010/main" val="2679292092"/>
+      </p:ext>
+    </p:extLst>
+  </p:cSld>
+  <p:clrMapOvr>
+    <a:masterClrMapping/>
+  </p:clrMapOvr>
+</p:sld>
+</file>
+
+<file path=ppt/slides/slide8.xml><?xml version="1.0" encoding="utf-8"?>
+<p:sld xmlns:a="http://schemas.openxmlformats.org/drawingml/2006/main" xmlns:r="http://schemas.openxmlformats.org/officeDocument/2006/relationships" xmlns:p="http://schemas.openxmlformats.org/presentationml/2006/main">
+  <p:cSld>
+    <p:spTree>
+      <p:nvGrpSpPr>
+        <p:cNvPr id="1" name=""/>
+        <p:cNvGrpSpPr/>
+        <p:nvPr/>
+      </p:nvGrpSpPr>
+      <p:grpSpPr>
+        <a:xfrm>
+          <a:off x="0" y="0"/>
+          <a:ext cx="0" cy="0"/>
+          <a:chOff x="0" y="0"/>
+          <a:chExt cx="0" cy="0"/>
+        </a:xfrm>
+      </p:grpSpPr>
+      <p:sp>
+        <p:nvSpPr>
+          <p:cNvPr id="2" name="Title 1">
+            <a:extLst>
+              <a:ext uri="{FF2B5EF4-FFF2-40B4-BE49-F238E27FC236}">
                 <a16:creationId xmlns:a16="http://schemas.microsoft.com/office/drawing/2014/main" id="{F2D7932D-937A-4F4C-85A6-6A1344752A74}"/>
               </a:ext>
             </a:extLst>
@@ -7974,7 +8845,7 @@
                 <a:latin typeface="Calibri" panose="020F0502020204030204" pitchFamily="34" charset="0"/>
                 <a:ea typeface="DengXian" panose="020B0503020204020204" pitchFamily="2" charset="-122"/>
                 <a:cs typeface="Times New Roman" panose="02020603050405020304" pitchFamily="18" charset="0"/>
-                <a:hlinkClick r:id="rId2"/>
+                <a:hlinkClick r:id="rId3"/>
               </a:rPr>
               <a:t>https://www.postgresql.org/download/</a:t>
             </a:r>
@@ -8149,7 +9020,7 @@
 </p:sld>
 </file>
 
-<file path=ppt/slides/slide7.xml><?xml version="1.0" encoding="utf-8"?>
+<file path=ppt/slides/slide9.xml><?xml version="1.0" encoding="utf-8"?>
 <p:sld xmlns:a="http://schemas.openxmlformats.org/drawingml/2006/main" xmlns:r="http://schemas.openxmlformats.org/officeDocument/2006/relationships" xmlns:p="http://schemas.openxmlformats.org/presentationml/2006/main">
   <p:cSld>
     <p:spTree>
@@ -8444,435 +9315,6 @@
     <p:extLst>
       <p:ext uri="{BB962C8B-B14F-4D97-AF65-F5344CB8AC3E}">
         <p14:creationId xmlns:p14="http://schemas.microsoft.com/office/powerpoint/2010/main" val="1648985037"/>
-      </p:ext>
-    </p:extLst>
-  </p:cSld>
-  <p:clrMapOvr>
-    <a:masterClrMapping/>
-  </p:clrMapOvr>
-</p:sld>
-</file>
-
-<file path=ppt/slides/slide8.xml><?xml version="1.0" encoding="utf-8"?>
-<p:sld xmlns:a="http://schemas.openxmlformats.org/drawingml/2006/main" xmlns:r="http://schemas.openxmlformats.org/officeDocument/2006/relationships" xmlns:p="http://schemas.openxmlformats.org/presentationml/2006/main">
-  <p:cSld>
-    <p:spTree>
-      <p:nvGrpSpPr>
-        <p:cNvPr id="1" name=""/>
-        <p:cNvGrpSpPr/>
-        <p:nvPr/>
-      </p:nvGrpSpPr>
-      <p:grpSpPr>
-        <a:xfrm>
-          <a:off x="0" y="0"/>
-          <a:ext cx="0" cy="0"/>
-          <a:chOff x="0" y="0"/>
-          <a:chExt cx="0" cy="0"/>
-        </a:xfrm>
-      </p:grpSpPr>
-      <p:sp>
-        <p:nvSpPr>
-          <p:cNvPr id="2" name="Title 1">
-            <a:extLst>
-              <a:ext uri="{FF2B5EF4-FFF2-40B4-BE49-F238E27FC236}">
-                <a16:creationId xmlns:a16="http://schemas.microsoft.com/office/drawing/2014/main" id="{B265F5EB-9684-4D18-B74A-663934E16193}"/>
-              </a:ext>
-            </a:extLst>
-          </p:cNvPr>
-          <p:cNvSpPr>
-            <a:spLocks noGrp="1"/>
-          </p:cNvSpPr>
-          <p:nvPr>
-            <p:ph type="title"/>
-          </p:nvPr>
-        </p:nvSpPr>
-        <p:spPr/>
-        <p:txBody>
-          <a:bodyPr/>
-          <a:lstStyle/>
-          <a:p>
-            <a:r>
-              <a:rPr lang="en-US" dirty="0"/>
-              <a:t>Intro to Databases (15 mins) </a:t>
-            </a:r>
-          </a:p>
-        </p:txBody>
-      </p:sp>
-      <p:sp>
-        <p:nvSpPr>
-          <p:cNvPr id="3" name="Content Placeholder 2">
-            <a:extLst>
-              <a:ext uri="{FF2B5EF4-FFF2-40B4-BE49-F238E27FC236}">
-                <a16:creationId xmlns:a16="http://schemas.microsoft.com/office/drawing/2014/main" id="{5EFB4276-4F33-4A63-ADFF-CD02A82CAB63}"/>
-              </a:ext>
-            </a:extLst>
-          </p:cNvPr>
-          <p:cNvSpPr>
-            <a:spLocks noGrp="1"/>
-          </p:cNvSpPr>
-          <p:nvPr>
-            <p:ph idx="1"/>
-          </p:nvPr>
-        </p:nvSpPr>
-        <p:spPr>
-          <a:xfrm>
-            <a:off x="1261872" y="1828800"/>
-            <a:ext cx="4946423" cy="4351337"/>
-          </a:xfrm>
-        </p:spPr>
-        <p:txBody>
-          <a:bodyPr/>
-          <a:lstStyle/>
-          <a:p>
-            <a:r>
-              <a:rPr lang="en-US" dirty="0">
-                <a:hlinkClick r:id="rId2"/>
-              </a:rPr>
-              <a:t>https://www.edureka.co/blog/what-is-a-database/</a:t>
-            </a:r>
-            <a:r>
-              <a:rPr lang="en-US" dirty="0"/>
-              <a:t> </a:t>
-            </a:r>
-          </a:p>
-          <a:p>
-            <a:r>
-              <a:rPr lang="en-US" altLang="en-US" b="1" i="1" u="sng" dirty="0"/>
-              <a:t>D</a:t>
-            </a:r>
-            <a:r>
-              <a:rPr lang="en-US" altLang="en-US" dirty="0"/>
-              <a:t>ata</a:t>
-            </a:r>
-            <a:r>
-              <a:rPr lang="en-US" altLang="en-US" b="1" i="1" u="sng" dirty="0"/>
-              <a:t>b</a:t>
-            </a:r>
-            <a:r>
-              <a:rPr lang="en-US" altLang="en-US" dirty="0"/>
-              <a:t>ase </a:t>
-            </a:r>
-            <a:r>
-              <a:rPr lang="en-US" altLang="en-US" b="1" i="1" u="sng" dirty="0"/>
-              <a:t>M</a:t>
-            </a:r>
-            <a:r>
-              <a:rPr lang="en-US" altLang="en-US" dirty="0"/>
-              <a:t>anagement </a:t>
-            </a:r>
-            <a:r>
-              <a:rPr lang="en-US" altLang="en-US" b="1" i="1" u="sng" dirty="0"/>
-              <a:t>S</a:t>
-            </a:r>
-            <a:r>
-              <a:rPr lang="en-US" altLang="en-US" dirty="0"/>
-              <a:t>ystems (DBMS)</a:t>
-            </a:r>
-          </a:p>
-          <a:p>
-            <a:r>
-              <a:rPr lang="en-US" altLang="en-US" dirty="0"/>
-              <a:t>Database – collection of records that can be added, modified, and managed AND processed into useful information</a:t>
-            </a:r>
-          </a:p>
-          <a:p>
-            <a:r>
-              <a:rPr lang="en-US" dirty="0"/>
-              <a:t>Many different types of databases, but we will mostly use RDBMS</a:t>
-            </a:r>
-          </a:p>
-          <a:p>
-            <a:r>
-              <a:rPr lang="en-US" dirty="0"/>
-              <a:t>Schema – logical configuration of all the tables in a relational database</a:t>
-            </a:r>
-          </a:p>
-        </p:txBody>
-      </p:sp>
-      <p:pic>
-        <p:nvPicPr>
-          <p:cNvPr id="1026" name="Picture 2" descr="What is a Database?">
-            <a:extLst>
-              <a:ext uri="{FF2B5EF4-FFF2-40B4-BE49-F238E27FC236}">
-                <a16:creationId xmlns:a16="http://schemas.microsoft.com/office/drawing/2014/main" id="{2BFF2E5E-567B-4368-8516-DC5997D05548}"/>
-              </a:ext>
-            </a:extLst>
-          </p:cNvPr>
-          <p:cNvPicPr>
-            <a:picLocks noChangeAspect="1" noChangeArrowheads="1"/>
-          </p:cNvPicPr>
-          <p:nvPr/>
-        </p:nvPicPr>
-        <p:blipFill>
-          <a:blip r:embed="rId3">
-            <a:extLst>
-              <a:ext uri="{28A0092B-C50C-407E-A947-70E740481C1C}">
-                <a14:useLocalDpi xmlns:a14="http://schemas.microsoft.com/office/drawing/2010/main" val="0"/>
-              </a:ext>
-            </a:extLst>
-          </a:blip>
-          <a:srcRect/>
-          <a:stretch>
-            <a:fillRect/>
-          </a:stretch>
-        </p:blipFill>
-        <p:spPr bwMode="auto">
-          <a:xfrm>
-            <a:off x="7500032" y="2409886"/>
-            <a:ext cx="2847125" cy="3016908"/>
-          </a:xfrm>
-          <a:prstGeom prst="rect">
-            <a:avLst/>
-          </a:prstGeom>
-          <a:noFill/>
-          <a:extLst>
-            <a:ext uri="{909E8E84-426E-40DD-AFC4-6F175D3DCCD1}">
-              <a14:hiddenFill xmlns:a14="http://schemas.microsoft.com/office/drawing/2010/main">
-                <a:solidFill>
-                  <a:srgbClr val="FFFFFF"/>
-                </a:solidFill>
-              </a14:hiddenFill>
-            </a:ext>
-          </a:extLst>
-        </p:spPr>
-      </p:pic>
-    </p:spTree>
-    <p:extLst>
-      <p:ext uri="{BB962C8B-B14F-4D97-AF65-F5344CB8AC3E}">
-        <p14:creationId xmlns:p14="http://schemas.microsoft.com/office/powerpoint/2010/main" val="402282011"/>
-      </p:ext>
-    </p:extLst>
-  </p:cSld>
-  <p:clrMapOvr>
-    <a:masterClrMapping/>
-  </p:clrMapOvr>
-</p:sld>
-</file>
-
-<file path=ppt/slides/slide9.xml><?xml version="1.0" encoding="utf-8"?>
-<p:sld xmlns:a="http://schemas.openxmlformats.org/drawingml/2006/main" xmlns:r="http://schemas.openxmlformats.org/officeDocument/2006/relationships" xmlns:p="http://schemas.openxmlformats.org/presentationml/2006/main">
-  <p:cSld>
-    <p:spTree>
-      <p:nvGrpSpPr>
-        <p:cNvPr id="1" name=""/>
-        <p:cNvGrpSpPr/>
-        <p:nvPr/>
-      </p:nvGrpSpPr>
-      <p:grpSpPr>
-        <a:xfrm>
-          <a:off x="0" y="0"/>
-          <a:ext cx="0" cy="0"/>
-          <a:chOff x="0" y="0"/>
-          <a:chExt cx="0" cy="0"/>
-        </a:xfrm>
-      </p:grpSpPr>
-      <p:sp>
-        <p:nvSpPr>
-          <p:cNvPr id="2" name="Title 1">
-            <a:extLst>
-              <a:ext uri="{FF2B5EF4-FFF2-40B4-BE49-F238E27FC236}">
-                <a16:creationId xmlns:a16="http://schemas.microsoft.com/office/drawing/2014/main" id="{02CA76D8-95C0-4F4C-8922-5455BCEE4ECB}"/>
-              </a:ext>
-            </a:extLst>
-          </p:cNvPr>
-          <p:cNvSpPr>
-            <a:spLocks noGrp="1"/>
-          </p:cNvSpPr>
-          <p:nvPr>
-            <p:ph type="title"/>
-          </p:nvPr>
-        </p:nvSpPr>
-        <p:spPr/>
-        <p:txBody>
-          <a:bodyPr/>
-          <a:lstStyle/>
-          <a:p>
-            <a:r>
-              <a:rPr lang="en-US" dirty="0"/>
-              <a:t>DBMS</a:t>
-            </a:r>
-          </a:p>
-        </p:txBody>
-      </p:sp>
-      <p:sp>
-        <p:nvSpPr>
-          <p:cNvPr id="3" name="Content Placeholder 2">
-            <a:extLst>
-              <a:ext uri="{FF2B5EF4-FFF2-40B4-BE49-F238E27FC236}">
-                <a16:creationId xmlns:a16="http://schemas.microsoft.com/office/drawing/2014/main" id="{D3DAF86D-BAD8-4262-A7AF-097A81C008B9}"/>
-              </a:ext>
-            </a:extLst>
-          </p:cNvPr>
-          <p:cNvSpPr>
-            <a:spLocks noGrp="1"/>
-          </p:cNvSpPr>
-          <p:nvPr>
-            <p:ph idx="1"/>
-          </p:nvPr>
-        </p:nvSpPr>
-        <p:spPr/>
-        <p:txBody>
-          <a:bodyPr>
-            <a:normAutofit lnSpcReduction="10000"/>
-          </a:bodyPr>
-          <a:lstStyle/>
-          <a:p>
-            <a:pPr>
-              <a:lnSpc>
-                <a:spcPct val="90000"/>
-              </a:lnSpc>
-            </a:pPr>
-            <a:r>
-              <a:rPr lang="en-US" altLang="en-US" dirty="0"/>
-              <a:t>Collection of interrelated data</a:t>
-            </a:r>
-          </a:p>
-          <a:p>
-            <a:pPr>
-              <a:lnSpc>
-                <a:spcPct val="90000"/>
-              </a:lnSpc>
-            </a:pPr>
-            <a:r>
-              <a:rPr lang="en-US" altLang="en-US" dirty="0"/>
-              <a:t>Set of programs to access the data </a:t>
-            </a:r>
-          </a:p>
-          <a:p>
-            <a:pPr>
-              <a:lnSpc>
-                <a:spcPct val="90000"/>
-              </a:lnSpc>
-            </a:pPr>
-            <a:r>
-              <a:rPr lang="en-US" altLang="en-US" dirty="0"/>
-              <a:t>DBMS contains information about a particular enterprise</a:t>
-            </a:r>
-          </a:p>
-          <a:p>
-            <a:pPr>
-              <a:lnSpc>
-                <a:spcPct val="90000"/>
-              </a:lnSpc>
-            </a:pPr>
-            <a:r>
-              <a:rPr lang="en-US" altLang="en-US" dirty="0"/>
-              <a:t>DBMS provides an environment that is both </a:t>
-            </a:r>
-            <a:r>
-              <a:rPr lang="en-US" altLang="en-US" i="1" dirty="0"/>
-              <a:t>convenient</a:t>
-            </a:r>
-            <a:r>
-              <a:rPr lang="en-US" altLang="en-US" dirty="0"/>
-              <a:t> and </a:t>
-            </a:r>
-            <a:r>
-              <a:rPr lang="en-US" altLang="en-US" i="1" dirty="0"/>
-              <a:t>efficient</a:t>
-            </a:r>
-            <a:r>
-              <a:rPr lang="en-US" altLang="en-US" dirty="0"/>
-              <a:t> to use.</a:t>
-            </a:r>
-          </a:p>
-          <a:p>
-            <a:pPr>
-              <a:lnSpc>
-                <a:spcPct val="90000"/>
-              </a:lnSpc>
-            </a:pPr>
-            <a:r>
-              <a:rPr lang="en-US" altLang="en-US" dirty="0"/>
-              <a:t>Database Applications:</a:t>
-            </a:r>
-          </a:p>
-          <a:p>
-            <a:pPr lvl="1">
-              <a:lnSpc>
-                <a:spcPct val="90000"/>
-              </a:lnSpc>
-            </a:pPr>
-            <a:r>
-              <a:rPr lang="en-US" altLang="en-US" dirty="0"/>
-              <a:t>Banking: all transactions</a:t>
-            </a:r>
-          </a:p>
-          <a:p>
-            <a:pPr lvl="1">
-              <a:lnSpc>
-                <a:spcPct val="90000"/>
-              </a:lnSpc>
-            </a:pPr>
-            <a:r>
-              <a:rPr lang="en-US" altLang="en-US" dirty="0"/>
-              <a:t>Airlines: reservations, schedules</a:t>
-            </a:r>
-          </a:p>
-          <a:p>
-            <a:pPr lvl="1">
-              <a:lnSpc>
-                <a:spcPct val="90000"/>
-              </a:lnSpc>
-            </a:pPr>
-            <a:r>
-              <a:rPr lang="en-US" altLang="en-US" dirty="0"/>
-              <a:t>Universities:  registration, grades</a:t>
-            </a:r>
-          </a:p>
-          <a:p>
-            <a:pPr lvl="1">
-              <a:lnSpc>
-                <a:spcPct val="90000"/>
-              </a:lnSpc>
-            </a:pPr>
-            <a:r>
-              <a:rPr lang="en-US" altLang="en-US" dirty="0"/>
-              <a:t>Sales: customers, products, purchases</a:t>
-            </a:r>
-          </a:p>
-          <a:p>
-            <a:pPr lvl="1">
-              <a:lnSpc>
-                <a:spcPct val="90000"/>
-              </a:lnSpc>
-            </a:pPr>
-            <a:r>
-              <a:rPr lang="en-US" altLang="en-US" dirty="0"/>
-              <a:t>Manufacturing: production, inventory, orders, supply chain</a:t>
-            </a:r>
-          </a:p>
-          <a:p>
-            <a:pPr lvl="1">
-              <a:lnSpc>
-                <a:spcPct val="90000"/>
-              </a:lnSpc>
-            </a:pPr>
-            <a:r>
-              <a:rPr lang="en-US" altLang="en-US" dirty="0"/>
-              <a:t>Human resources:  employee records, salaries, tax deductions</a:t>
-            </a:r>
-          </a:p>
-          <a:p>
-            <a:pPr>
-              <a:lnSpc>
-                <a:spcPct val="90000"/>
-              </a:lnSpc>
-            </a:pPr>
-            <a:r>
-              <a:rPr lang="en-US" altLang="en-US" dirty="0"/>
-              <a:t>Databases touch all aspects of our lives</a:t>
-            </a:r>
-          </a:p>
-          <a:p>
-            <a:endParaRPr lang="en-US" dirty="0"/>
-          </a:p>
-        </p:txBody>
-      </p:sp>
-    </p:spTree>
-    <p:extLst>
-      <p:ext uri="{BB962C8B-B14F-4D97-AF65-F5344CB8AC3E}">
-        <p14:creationId xmlns:p14="http://schemas.microsoft.com/office/powerpoint/2010/main" val="519146140"/>
       </p:ext>
     </p:extLst>
   </p:cSld>
